--- a/MarchMadnessDataViz.pptx
+++ b/MarchMadnessDataViz.pptx
@@ -1,34 +1,46 @@
 
 <file path=ppt/presentation.xml><?xml version="1.0" encoding="utf-8"?>
-<p:presentation xmlns:a="http://schemas.openxmlformats.org/drawingml/2006/main" xmlns:r="http://schemas.openxmlformats.org/officeDocument/2006/relationships" xmlns:p="http://schemas.openxmlformats.org/presentationml/2006/main" xmlns:m="http://schemas.openxmlformats.org/officeDocument/2006/math" xmlns:a14="http://schemas.microsoft.com/office/drawing/2010/main">
+<p:presentation xmlns:a="http://schemas.openxmlformats.org/drawingml/2006/main" xmlns:r="http://schemas.openxmlformats.org/officeDocument/2006/relationships" xmlns:p="http://schemas.openxmlformats.org/presentationml/2006/main">
   <p:sldMasterIdLst>
-    <p:sldMasterId id="2147483648" r:id="rId5"/>
+    <p:sldMasterId id="2147483648" r:id="rId1"/>
   </p:sldMasterIdLst>
   <p:notesMasterIdLst>
-    <p:notesMasterId r:id="rId7"/>
+    <p:notesMasterId r:id="rId35"/>
   </p:notesMasterIdLst>
   <p:sldIdLst>
-    <p:sldId id="256" r:id="rId8"/>
-    <p:sldId id="257" r:id="rId9"/>
-    <p:sldId id="258" r:id="rId10"/>
-    <p:sldId id="259" r:id="rId11"/>
-    <p:sldId id="260" r:id="rId12"/>
-    <p:sldId id="261" r:id="rId13"/>
-    <p:sldId id="262" r:id="rId14"/>
-    <p:sldId id="263" r:id="rId15"/>
-    <p:sldId id="264" r:id="rId16"/>
-    <p:sldId id="265" r:id="rId17"/>
-    <p:sldId id="266" r:id="rId18"/>
-    <p:sldId id="267" r:id="rId19"/>
-    <p:sldId id="268" r:id="rId20"/>
-    <p:sldId id="269" r:id="rId21"/>
-    <p:sldId id="270" r:id="rId22"/>
-    <p:sldId id="271" r:id="rId23"/>
-    <p:sldId id="272" r:id="rId24"/>
-    <p:sldId id="273" r:id="rId25"/>
-    <p:sldId id="274" r:id="rId26"/>
-    <p:sldId id="275" r:id="rId27"/>
-    <p:sldId id="276" r:id="rId28"/>
+    <p:sldId id="256" r:id="rId2"/>
+    <p:sldId id="257" r:id="rId3"/>
+    <p:sldId id="258" r:id="rId4"/>
+    <p:sldId id="259" r:id="rId5"/>
+    <p:sldId id="260" r:id="rId6"/>
+    <p:sldId id="261" r:id="rId7"/>
+    <p:sldId id="262" r:id="rId8"/>
+    <p:sldId id="263" r:id="rId9"/>
+    <p:sldId id="264" r:id="rId10"/>
+    <p:sldId id="265" r:id="rId11"/>
+    <p:sldId id="266" r:id="rId12"/>
+    <p:sldId id="267" r:id="rId13"/>
+    <p:sldId id="268" r:id="rId14"/>
+    <p:sldId id="269" r:id="rId15"/>
+    <p:sldId id="270" r:id="rId16"/>
+    <p:sldId id="271" r:id="rId17"/>
+    <p:sldId id="272" r:id="rId18"/>
+    <p:sldId id="273" r:id="rId19"/>
+    <p:sldId id="274" r:id="rId20"/>
+    <p:sldId id="275" r:id="rId21"/>
+    <p:sldId id="276" r:id="rId22"/>
+    <p:sldId id="283" r:id="rId23"/>
+    <p:sldId id="280" r:id="rId24"/>
+    <p:sldId id="279" r:id="rId25"/>
+    <p:sldId id="284" r:id="rId26"/>
+    <p:sldId id="289" r:id="rId27"/>
+    <p:sldId id="282" r:id="rId28"/>
+    <p:sldId id="285" r:id="rId29"/>
+    <p:sldId id="290" r:id="rId30"/>
+    <p:sldId id="291" r:id="rId31"/>
+    <p:sldId id="288" r:id="rId32"/>
+    <p:sldId id="292" r:id="rId33"/>
+    <p:sldId id="294" r:id="rId34"/>
   </p:sldIdLst>
   <p:sldSz cx="12192000" cy="6858000"/>
   <p:notesSz cx="6858000" cy="9144000"/>
@@ -48,7 +60,7 @@
       <a:buFontTx/>
       <a:buNone/>
       <a:tabLst/>
-      <a:defRPr b="0" baseline="0" cap="none" i="0" spc="0" strike="noStrike" sz="1800" u="none" kumimoji="0" normalizeH="0">
+      <a:defRPr kumimoji="0" sz="1800" b="0" i="0" u="none" strike="noStrike" cap="none" spc="0" normalizeH="0" baseline="0">
         <a:ln>
           <a:noFill/>
         </a:ln>
@@ -74,7 +86,7 @@
       <a:buFontTx/>
       <a:buNone/>
       <a:tabLst/>
-      <a:defRPr b="0" baseline="0" cap="none" i="0" spc="0" strike="noStrike" sz="1800" u="none" kumimoji="0" normalizeH="0">
+      <a:defRPr kumimoji="0" sz="1800" b="0" i="0" u="none" strike="noStrike" cap="none" spc="0" normalizeH="0" baseline="0">
         <a:ln>
           <a:noFill/>
         </a:ln>
@@ -104,7 +116,7 @@
       <a:buFontTx/>
       <a:buNone/>
       <a:tabLst/>
-      <a:defRPr b="0" baseline="0" cap="none" i="0" spc="0" strike="noStrike" sz="1800" u="none" kumimoji="0" normalizeH="0">
+      <a:defRPr kumimoji="0" sz="1800" b="0" i="0" u="none" strike="noStrike" cap="none" spc="0" normalizeH="0" baseline="0">
         <a:ln>
           <a:noFill/>
         </a:ln>
@@ -134,7 +146,7 @@
       <a:buFontTx/>
       <a:buNone/>
       <a:tabLst/>
-      <a:defRPr b="0" baseline="0" cap="none" i="0" spc="0" strike="noStrike" sz="1800" u="none" kumimoji="0" normalizeH="0">
+      <a:defRPr kumimoji="0" sz="1800" b="0" i="0" u="none" strike="noStrike" cap="none" spc="0" normalizeH="0" baseline="0">
         <a:ln>
           <a:noFill/>
         </a:ln>
@@ -164,7 +176,7 @@
       <a:buFontTx/>
       <a:buNone/>
       <a:tabLst/>
-      <a:defRPr b="0" baseline="0" cap="none" i="0" spc="0" strike="noStrike" sz="1800" u="none" kumimoji="0" normalizeH="0">
+      <a:defRPr kumimoji="0" sz="1800" b="0" i="0" u="none" strike="noStrike" cap="none" spc="0" normalizeH="0" baseline="0">
         <a:ln>
           <a:noFill/>
         </a:ln>
@@ -194,7 +206,7 @@
       <a:buFontTx/>
       <a:buNone/>
       <a:tabLst/>
-      <a:defRPr b="0" baseline="0" cap="none" i="0" spc="0" strike="noStrike" sz="1800" u="none" kumimoji="0" normalizeH="0">
+      <a:defRPr kumimoji="0" sz="1800" b="0" i="0" u="none" strike="noStrike" cap="none" spc="0" normalizeH="0" baseline="0">
         <a:ln>
           <a:noFill/>
         </a:ln>
@@ -224,7 +236,7 @@
       <a:buFontTx/>
       <a:buNone/>
       <a:tabLst/>
-      <a:defRPr b="0" baseline="0" cap="none" i="0" spc="0" strike="noStrike" sz="1800" u="none" kumimoji="0" normalizeH="0">
+      <a:defRPr kumimoji="0" sz="1800" b="0" i="0" u="none" strike="noStrike" cap="none" spc="0" normalizeH="0" baseline="0">
         <a:ln>
           <a:noFill/>
         </a:ln>
@@ -254,7 +266,7 @@
       <a:buFontTx/>
       <a:buNone/>
       <a:tabLst/>
-      <a:defRPr b="0" baseline="0" cap="none" i="0" spc="0" strike="noStrike" sz="1800" u="none" kumimoji="0" normalizeH="0">
+      <a:defRPr kumimoji="0" sz="1800" b="0" i="0" u="none" strike="noStrike" cap="none" spc="0" normalizeH="0" baseline="0">
         <a:ln>
           <a:noFill/>
         </a:ln>
@@ -284,7 +296,7 @@
       <a:buFontTx/>
       <a:buNone/>
       <a:tabLst/>
-      <a:defRPr b="0" baseline="0" cap="none" i="0" spc="0" strike="noStrike" sz="1800" u="none" kumimoji="0" normalizeH="0">
+      <a:defRPr kumimoji="0" sz="1800" b="0" i="0" u="none" strike="noStrike" cap="none" spc="0" normalizeH="0" baseline="0">
         <a:ln>
           <a:noFill/>
         </a:ln>
@@ -314,7 +326,7 @@
       <a:buFontTx/>
       <a:buNone/>
       <a:tabLst/>
-      <a:defRPr b="0" baseline="0" cap="none" i="0" spc="0" strike="noStrike" sz="1800" u="none" kumimoji="0" normalizeH="0">
+      <a:defRPr kumimoji="0" sz="1800" b="0" i="0" u="none" strike="noStrike" cap="none" spc="0" normalizeH="0" baseline="0">
         <a:ln>
           <a:noFill/>
         </a:ln>
@@ -333,13 +345,14 @@
 </p:presentation>
 </file>
 
-<file path=ppt/commentAuthors.xml><?xml version="1.0" encoding="utf-8"?>
-<p:cmAuthorLst xmlns:a="http://schemas.openxmlformats.org/drawingml/2006/main" xmlns:r="http://schemas.openxmlformats.org/officeDocument/2006/relationships" xmlns:p="http://schemas.openxmlformats.org/presentationml/2006/main" xmlns:m="http://schemas.openxmlformats.org/officeDocument/2006/math" xmlns:a14="http://schemas.microsoft.com/office/drawing/2010/main"/>
-</file>
-
 <file path=ppt/notesMasters/notesMaster1.xml><?xml version="1.0" encoding="utf-8"?>
-<p:notesMaster xmlns:a="http://schemas.openxmlformats.org/drawingml/2006/main" xmlns:r="http://schemas.openxmlformats.org/officeDocument/2006/relationships" xmlns:p="http://schemas.openxmlformats.org/presentationml/2006/main" xmlns:m="http://schemas.openxmlformats.org/officeDocument/2006/math" xmlns:a14="http://schemas.microsoft.com/office/drawing/2010/main">
+<p:notesMaster xmlns:a="http://schemas.openxmlformats.org/drawingml/2006/main" xmlns:r="http://schemas.openxmlformats.org/officeDocument/2006/relationships" xmlns:p="http://schemas.openxmlformats.org/presentationml/2006/main">
   <p:cSld>
+    <p:bg>
+      <p:bgRef idx="1001">
+        <a:schemeClr val="bg1"/>
+      </p:bgRef>
+    </p:bg>
     <p:spTree>
       <p:nvGrpSpPr>
         <p:cNvPr id="1" name=""/>
@@ -357,7 +370,9 @@
       <p:sp>
         <p:nvSpPr>
           <p:cNvPr id="91" name="Shape 91"/>
-          <p:cNvSpPr/>
+          <p:cNvSpPr>
+            <a:spLocks noGrp="1" noRot="1" noChangeAspect="1"/>
+          </p:cNvSpPr>
           <p:nvPr>
             <p:ph type="sldImg"/>
           </p:nvPr>
@@ -375,14 +390,16 @@
           <a:bodyPr/>
           <a:lstStyle/>
           <a:p>
-            <a:pPr/>
+            <a:endParaRPr/>
           </a:p>
         </p:txBody>
       </p:sp>
       <p:sp>
         <p:nvSpPr>
           <p:cNvPr id="92" name="Shape 92"/>
-          <p:cNvSpPr/>
+          <p:cNvSpPr>
+            <a:spLocks noGrp="1"/>
+          </p:cNvSpPr>
           <p:nvPr>
             <p:ph type="body" sz="quarter" idx="1"/>
           </p:nvPr>
@@ -400,7 +417,7 @@
           <a:bodyPr/>
           <a:lstStyle/>
           <a:p>
-            <a:pPr/>
+            <a:endParaRPr/>
           </a:p>
         </p:txBody>
       </p:sp>
@@ -484,8 +501,74 @@
 </p:notesMaster>
 </file>
 
+<file path=ppt/notesSlides/notesSlide1.xml><?xml version="1.0" encoding="utf-8"?>
+<p:notes xmlns:a="http://schemas.openxmlformats.org/drawingml/2006/main" xmlns:r="http://schemas.openxmlformats.org/officeDocument/2006/relationships" xmlns:p="http://schemas.openxmlformats.org/presentationml/2006/main">
+  <p:cSld>
+    <p:spTree>
+      <p:nvGrpSpPr>
+        <p:cNvPr id="1" name=""/>
+        <p:cNvGrpSpPr/>
+        <p:nvPr/>
+      </p:nvGrpSpPr>
+      <p:grpSpPr>
+        <a:xfrm>
+          <a:off x="0" y="0"/>
+          <a:ext cx="0" cy="0"/>
+          <a:chOff x="0" y="0"/>
+          <a:chExt cx="0" cy="0"/>
+        </a:xfrm>
+      </p:grpSpPr>
+      <p:sp>
+        <p:nvSpPr>
+          <p:cNvPr id="2" name="Slide Image Placeholder 1"/>
+          <p:cNvSpPr>
+            <a:spLocks noGrp="1" noRot="1" noChangeAspect="1"/>
+          </p:cNvSpPr>
+          <p:nvPr>
+            <p:ph type="sldImg"/>
+          </p:nvPr>
+        </p:nvSpPr>
+        <p:spPr>
+          <a:xfrm>
+            <a:off x="381000" y="685800"/>
+            <a:ext cx="6096000" cy="3429000"/>
+          </a:xfrm>
+        </p:spPr>
+      </p:sp>
+      <p:sp>
+        <p:nvSpPr>
+          <p:cNvPr id="3" name="Notes Placeholder 2"/>
+          <p:cNvSpPr>
+            <a:spLocks noGrp="1"/>
+          </p:cNvSpPr>
+          <p:nvPr>
+            <p:ph type="body" idx="1"/>
+          </p:nvPr>
+        </p:nvSpPr>
+        <p:spPr/>
+        <p:txBody>
+          <a:bodyPr/>
+          <a:lstStyle/>
+          <a:p>
+            <a:endParaRPr lang="en-US" dirty="0"/>
+          </a:p>
+        </p:txBody>
+      </p:sp>
+    </p:spTree>
+    <p:extLst>
+      <p:ext uri="{BB962C8B-B14F-4D97-AF65-F5344CB8AC3E}">
+        <p14:creationId xmlns:p14="http://schemas.microsoft.com/office/powerpoint/2010/main" val="1318853858"/>
+      </p:ext>
+    </p:extLst>
+  </p:cSld>
+  <p:clrMapOvr>
+    <a:masterClrMapping/>
+  </p:clrMapOvr>
+</p:notes>
+</file>
+
 <file path=ppt/slideLayouts/slideLayout1.xml><?xml version="1.0" encoding="utf-8"?>
-<p:sldLayout xmlns:a="http://schemas.openxmlformats.org/drawingml/2006/main" xmlns:r="http://schemas.openxmlformats.org/officeDocument/2006/relationships" xmlns:p="http://schemas.openxmlformats.org/presentationml/2006/main" xmlns:m="http://schemas.openxmlformats.org/officeDocument/2006/math" xmlns:a14="http://schemas.microsoft.com/office/drawing/2010/main" type="title" showMasterSp="1" showMasterPhAnim="1">
+<p:sldLayout xmlns:a="http://schemas.openxmlformats.org/drawingml/2006/main" xmlns:r="http://schemas.openxmlformats.org/officeDocument/2006/relationships" xmlns:p="http://schemas.openxmlformats.org/presentationml/2006/main" type="title">
   <p:cSld name="Title Slide">
     <p:spTree>
       <p:nvGrpSpPr>
@@ -504,7 +587,9 @@
       <p:sp>
         <p:nvSpPr>
           <p:cNvPr id="11" name="Title Text"/>
-          <p:cNvSpPr txBox="1"/>
+          <p:cNvSpPr txBox="1">
+            <a:spLocks noGrp="1"/>
+          </p:cNvSpPr>
           <p:nvPr>
             <p:ph type="title"/>
           </p:nvPr>
@@ -526,7 +611,6 @@
             </a:lvl1pPr>
           </a:lstStyle>
           <a:p>
-            <a:pPr/>
             <a:r>
               <a:t>Title Text</a:t>
             </a:r>
@@ -536,7 +620,9 @@
       <p:sp>
         <p:nvSpPr>
           <p:cNvPr id="12" name="Body Level One…"/>
-          <p:cNvSpPr txBox="1"/>
+          <p:cNvSpPr txBox="1">
+            <a:spLocks noGrp="1"/>
+          </p:cNvSpPr>
           <p:nvPr>
             <p:ph type="body" sz="quarter" idx="1"/>
           </p:nvPr>
@@ -585,7 +671,6 @@
             </a:lvl5pPr>
           </a:lstStyle>
           <a:p>
-            <a:pPr/>
             <a:r>
               <a:t>Body Level One</a:t>
             </a:r>
@@ -619,7 +704,9 @@
       <p:sp>
         <p:nvSpPr>
           <p:cNvPr id="13" name="Slide Number"/>
-          <p:cNvSpPr txBox="1"/>
+          <p:cNvSpPr txBox="1">
+            <a:spLocks noGrp="1"/>
+          </p:cNvSpPr>
           <p:nvPr>
             <p:ph type="sldNum" sz="quarter" idx="2"/>
           </p:nvPr>
@@ -633,8 +720,10 @@
           <a:bodyPr/>
           <a:lstStyle/>
           <a:p>
-            <a:pPr/>
-            <a:fld id="{86CB4B4D-7CA3-9044-876B-883B54F8677D}" type="slidenum"/>
+            <a:fld id="{86CB4B4D-7CA3-9044-876B-883B54F8677D}" type="slidenum">
+              <a:t>‹#›</a:t>
+            </a:fld>
+            <a:endParaRPr/>
           </a:p>
         </p:txBody>
       </p:sp>
@@ -643,12 +732,12 @@
   <p:clrMapOvr>
     <a:masterClrMapping/>
   </p:clrMapOvr>
-  <p:transition xmlns:p14="http://schemas.microsoft.com/office/powerpoint/2010/main" spd="med" advClick="1"/>
+  <p:transition spd="med"/>
 </p:sldLayout>
 </file>
 
 <file path=ppt/slideLayouts/slideLayout2.xml><?xml version="1.0" encoding="utf-8"?>
-<p:sldLayout xmlns:a="http://schemas.openxmlformats.org/drawingml/2006/main" xmlns:r="http://schemas.openxmlformats.org/officeDocument/2006/relationships" xmlns:p="http://schemas.openxmlformats.org/presentationml/2006/main" xmlns:m="http://schemas.openxmlformats.org/officeDocument/2006/math" xmlns:a14="http://schemas.microsoft.com/office/drawing/2010/main" type="tx" showMasterSp="1" showMasterPhAnim="1">
+<p:sldLayout xmlns:a="http://schemas.openxmlformats.org/drawingml/2006/main" xmlns:r="http://schemas.openxmlformats.org/officeDocument/2006/relationships" xmlns:p="http://schemas.openxmlformats.org/presentationml/2006/main" type="tx">
   <p:cSld name="Title and Content">
     <p:spTree>
       <p:nvGrpSpPr>
@@ -667,7 +756,9 @@
       <p:sp>
         <p:nvSpPr>
           <p:cNvPr id="20" name="Title Text"/>
-          <p:cNvSpPr txBox="1"/>
+          <p:cNvSpPr txBox="1">
+            <a:spLocks noGrp="1"/>
+          </p:cNvSpPr>
           <p:nvPr>
             <p:ph type="title"/>
           </p:nvPr>
@@ -681,7 +772,6 @@
           <a:bodyPr/>
           <a:lstStyle/>
           <a:p>
-            <a:pPr/>
             <a:r>
               <a:t>Title Text</a:t>
             </a:r>
@@ -691,7 +781,9 @@
       <p:sp>
         <p:nvSpPr>
           <p:cNvPr id="21" name="Body Level One…"/>
-          <p:cNvSpPr txBox="1"/>
+          <p:cNvSpPr txBox="1">
+            <a:spLocks noGrp="1"/>
+          </p:cNvSpPr>
           <p:nvPr>
             <p:ph type="body" idx="1"/>
           </p:nvPr>
@@ -705,7 +797,6 @@
           <a:bodyPr/>
           <a:lstStyle/>
           <a:p>
-            <a:pPr/>
             <a:r>
               <a:t>Body Level One</a:t>
             </a:r>
@@ -739,7 +830,9 @@
       <p:sp>
         <p:nvSpPr>
           <p:cNvPr id="22" name="Slide Number"/>
-          <p:cNvSpPr txBox="1"/>
+          <p:cNvSpPr txBox="1">
+            <a:spLocks noGrp="1"/>
+          </p:cNvSpPr>
           <p:nvPr>
             <p:ph type="sldNum" sz="quarter" idx="2"/>
           </p:nvPr>
@@ -753,8 +846,10 @@
           <a:bodyPr/>
           <a:lstStyle/>
           <a:p>
-            <a:pPr/>
-            <a:fld id="{86CB4B4D-7CA3-9044-876B-883B54F8677D}" type="slidenum"/>
+            <a:fld id="{86CB4B4D-7CA3-9044-876B-883B54F8677D}" type="slidenum">
+              <a:t>‹#›</a:t>
+            </a:fld>
+            <a:endParaRPr/>
           </a:p>
         </p:txBody>
       </p:sp>
@@ -763,12 +858,12 @@
   <p:clrMapOvr>
     <a:masterClrMapping/>
   </p:clrMapOvr>
-  <p:transition xmlns:p14="http://schemas.microsoft.com/office/powerpoint/2010/main" spd="med" advClick="1"/>
+  <p:transition spd="med"/>
 </p:sldLayout>
 </file>
 
 <file path=ppt/slideLayouts/slideLayout3.xml><?xml version="1.0" encoding="utf-8"?>
-<p:sldLayout xmlns:a="http://schemas.openxmlformats.org/drawingml/2006/main" xmlns:r="http://schemas.openxmlformats.org/officeDocument/2006/relationships" xmlns:p="http://schemas.openxmlformats.org/presentationml/2006/main" xmlns:m="http://schemas.openxmlformats.org/officeDocument/2006/math" xmlns:a14="http://schemas.microsoft.com/office/drawing/2010/main" type="tx" showMasterSp="1" showMasterPhAnim="1">
+<p:sldLayout xmlns:a="http://schemas.openxmlformats.org/drawingml/2006/main" xmlns:r="http://schemas.openxmlformats.org/officeDocument/2006/relationships" xmlns:p="http://schemas.openxmlformats.org/presentationml/2006/main" type="tx">
   <p:cSld name="Section Header">
     <p:spTree>
       <p:nvGrpSpPr>
@@ -787,7 +882,9 @@
       <p:sp>
         <p:nvSpPr>
           <p:cNvPr id="29" name="Title Text"/>
-          <p:cNvSpPr txBox="1"/>
+          <p:cNvSpPr txBox="1">
+            <a:spLocks noGrp="1"/>
+          </p:cNvSpPr>
           <p:nvPr>
             <p:ph type="title"/>
           </p:nvPr>
@@ -809,7 +906,6 @@
             </a:lvl1pPr>
           </a:lstStyle>
           <a:p>
-            <a:pPr/>
             <a:r>
               <a:t>Title Text</a:t>
             </a:r>
@@ -819,7 +915,9 @@
       <p:sp>
         <p:nvSpPr>
           <p:cNvPr id="30" name="Body Level One…"/>
-          <p:cNvSpPr txBox="1"/>
+          <p:cNvSpPr txBox="1">
+            <a:spLocks noGrp="1"/>
+          </p:cNvSpPr>
           <p:nvPr>
             <p:ph type="body" sz="quarter" idx="1"/>
           </p:nvPr>
@@ -888,7 +986,6 @@
             </a:lvl5pPr>
           </a:lstStyle>
           <a:p>
-            <a:pPr/>
             <a:r>
               <a:t>Body Level One</a:t>
             </a:r>
@@ -922,7 +1019,9 @@
       <p:sp>
         <p:nvSpPr>
           <p:cNvPr id="31" name="Slide Number"/>
-          <p:cNvSpPr txBox="1"/>
+          <p:cNvSpPr txBox="1">
+            <a:spLocks noGrp="1"/>
+          </p:cNvSpPr>
           <p:nvPr>
             <p:ph type="sldNum" sz="quarter" idx="2"/>
           </p:nvPr>
@@ -936,8 +1035,10 @@
           <a:bodyPr/>
           <a:lstStyle/>
           <a:p>
-            <a:pPr/>
-            <a:fld id="{86CB4B4D-7CA3-9044-876B-883B54F8677D}" type="slidenum"/>
+            <a:fld id="{86CB4B4D-7CA3-9044-876B-883B54F8677D}" type="slidenum">
+              <a:t>‹#›</a:t>
+            </a:fld>
+            <a:endParaRPr/>
           </a:p>
         </p:txBody>
       </p:sp>
@@ -946,12 +1047,12 @@
   <p:clrMapOvr>
     <a:masterClrMapping/>
   </p:clrMapOvr>
-  <p:transition xmlns:p14="http://schemas.microsoft.com/office/powerpoint/2010/main" spd="med" advClick="1"/>
+  <p:transition spd="med"/>
 </p:sldLayout>
 </file>
 
 <file path=ppt/slideLayouts/slideLayout4.xml><?xml version="1.0" encoding="utf-8"?>
-<p:sldLayout xmlns:a="http://schemas.openxmlformats.org/drawingml/2006/main" xmlns:r="http://schemas.openxmlformats.org/officeDocument/2006/relationships" xmlns:p="http://schemas.openxmlformats.org/presentationml/2006/main" xmlns:m="http://schemas.openxmlformats.org/officeDocument/2006/math" xmlns:a14="http://schemas.microsoft.com/office/drawing/2010/main" type="tx" showMasterSp="1" showMasterPhAnim="1">
+<p:sldLayout xmlns:a="http://schemas.openxmlformats.org/drawingml/2006/main" xmlns:r="http://schemas.openxmlformats.org/officeDocument/2006/relationships" xmlns:p="http://schemas.openxmlformats.org/presentationml/2006/main" type="tx">
   <p:cSld name="Two Content">
     <p:spTree>
       <p:nvGrpSpPr>
@@ -970,7 +1071,9 @@
       <p:sp>
         <p:nvSpPr>
           <p:cNvPr id="38" name="Title Text"/>
-          <p:cNvSpPr txBox="1"/>
+          <p:cNvSpPr txBox="1">
+            <a:spLocks noGrp="1"/>
+          </p:cNvSpPr>
           <p:nvPr>
             <p:ph type="title"/>
           </p:nvPr>
@@ -984,7 +1087,6 @@
           <a:bodyPr/>
           <a:lstStyle/>
           <a:p>
-            <a:pPr/>
             <a:r>
               <a:t>Title Text</a:t>
             </a:r>
@@ -994,7 +1096,9 @@
       <p:sp>
         <p:nvSpPr>
           <p:cNvPr id="39" name="Body Level One…"/>
-          <p:cNvSpPr txBox="1"/>
+          <p:cNvSpPr txBox="1">
+            <a:spLocks noGrp="1"/>
+          </p:cNvSpPr>
           <p:nvPr>
             <p:ph type="body" sz="half" idx="1"/>
           </p:nvPr>
@@ -1012,7 +1116,6 @@
           <a:bodyPr/>
           <a:lstStyle/>
           <a:p>
-            <a:pPr/>
             <a:r>
               <a:t>Body Level One</a:t>
             </a:r>
@@ -1046,7 +1149,9 @@
       <p:sp>
         <p:nvSpPr>
           <p:cNvPr id="40" name="Slide Number"/>
-          <p:cNvSpPr txBox="1"/>
+          <p:cNvSpPr txBox="1">
+            <a:spLocks noGrp="1"/>
+          </p:cNvSpPr>
           <p:nvPr>
             <p:ph type="sldNum" sz="quarter" idx="2"/>
           </p:nvPr>
@@ -1060,8 +1165,10 @@
           <a:bodyPr/>
           <a:lstStyle/>
           <a:p>
-            <a:pPr/>
-            <a:fld id="{86CB4B4D-7CA3-9044-876B-883B54F8677D}" type="slidenum"/>
+            <a:fld id="{86CB4B4D-7CA3-9044-876B-883B54F8677D}" type="slidenum">
+              <a:t>‹#›</a:t>
+            </a:fld>
+            <a:endParaRPr/>
           </a:p>
         </p:txBody>
       </p:sp>
@@ -1070,12 +1177,12 @@
   <p:clrMapOvr>
     <a:masterClrMapping/>
   </p:clrMapOvr>
-  <p:transition xmlns:p14="http://schemas.microsoft.com/office/powerpoint/2010/main" spd="med" advClick="1"/>
+  <p:transition spd="med"/>
 </p:sldLayout>
 </file>
 
 <file path=ppt/slideLayouts/slideLayout5.xml><?xml version="1.0" encoding="utf-8"?>
-<p:sldLayout xmlns:a="http://schemas.openxmlformats.org/drawingml/2006/main" xmlns:r="http://schemas.openxmlformats.org/officeDocument/2006/relationships" xmlns:p="http://schemas.openxmlformats.org/presentationml/2006/main" xmlns:m="http://schemas.openxmlformats.org/officeDocument/2006/math" xmlns:a14="http://schemas.microsoft.com/office/drawing/2010/main" type="tx" showMasterSp="1" showMasterPhAnim="1">
+<p:sldLayout xmlns:a="http://schemas.openxmlformats.org/drawingml/2006/main" xmlns:r="http://schemas.openxmlformats.org/officeDocument/2006/relationships" xmlns:p="http://schemas.openxmlformats.org/presentationml/2006/main" type="tx">
   <p:cSld name="Comparison">
     <p:spTree>
       <p:nvGrpSpPr>
@@ -1094,7 +1201,9 @@
       <p:sp>
         <p:nvSpPr>
           <p:cNvPr id="47" name="Title Text"/>
-          <p:cNvSpPr txBox="1"/>
+          <p:cNvSpPr txBox="1">
+            <a:spLocks noGrp="1"/>
+          </p:cNvSpPr>
           <p:nvPr>
             <p:ph type="title"/>
           </p:nvPr>
@@ -1112,7 +1221,6 @@
           <a:bodyPr/>
           <a:lstStyle/>
           <a:p>
-            <a:pPr/>
             <a:r>
               <a:t>Title Text</a:t>
             </a:r>
@@ -1122,7 +1230,9 @@
       <p:sp>
         <p:nvSpPr>
           <p:cNvPr id="48" name="Body Level One…"/>
-          <p:cNvSpPr txBox="1"/>
+          <p:cNvSpPr txBox="1">
+            <a:spLocks noGrp="1"/>
+          </p:cNvSpPr>
           <p:nvPr>
             <p:ph type="body" sz="quarter" idx="1"/>
           </p:nvPr>
@@ -1143,35 +1253,34 @@
               <a:buSzTx/>
               <a:buFontTx/>
               <a:buNone/>
-              <a:defRPr b="1" sz="2400"/>
+              <a:defRPr sz="2400" b="1"/>
             </a:lvl1pPr>
             <a:lvl2pPr marL="0" indent="457200">
               <a:buSzTx/>
               <a:buFontTx/>
               <a:buNone/>
-              <a:defRPr b="1" sz="2400"/>
+              <a:defRPr sz="2400" b="1"/>
             </a:lvl2pPr>
             <a:lvl3pPr marL="0" indent="914400">
               <a:buSzTx/>
               <a:buFontTx/>
               <a:buNone/>
-              <a:defRPr b="1" sz="2400"/>
+              <a:defRPr sz="2400" b="1"/>
             </a:lvl3pPr>
             <a:lvl4pPr marL="0" indent="1371600">
               <a:buSzTx/>
               <a:buFontTx/>
               <a:buNone/>
-              <a:defRPr b="1" sz="2400"/>
+              <a:defRPr sz="2400" b="1"/>
             </a:lvl4pPr>
             <a:lvl5pPr marL="0" indent="1828800">
               <a:buSzTx/>
               <a:buFontTx/>
               <a:buNone/>
-              <a:defRPr b="1" sz="2400"/>
+              <a:defRPr sz="2400" b="1"/>
             </a:lvl5pPr>
           </a:lstStyle>
           <a:p>
-            <a:pPr/>
             <a:r>
               <a:t>Body Level One</a:t>
             </a:r>
@@ -1205,7 +1314,9 @@
       <p:sp>
         <p:nvSpPr>
           <p:cNvPr id="49" name="Text Placeholder 4"/>
-          <p:cNvSpPr/>
+          <p:cNvSpPr>
+            <a:spLocks noGrp="1"/>
+          </p:cNvSpPr>
           <p:nvPr>
             <p:ph type="body" sz="quarter" idx="21"/>
           </p:nvPr>
@@ -1227,15 +1338,18 @@
               <a:buSzTx/>
               <a:buFontTx/>
               <a:buNone/>
-              <a:defRPr b="1" sz="2400"/>
+              <a:defRPr sz="2400" b="1"/>
             </a:pPr>
+            <a:endParaRPr/>
           </a:p>
         </p:txBody>
       </p:sp>
       <p:sp>
         <p:nvSpPr>
           <p:cNvPr id="50" name="Slide Number"/>
-          <p:cNvSpPr txBox="1"/>
+          <p:cNvSpPr txBox="1">
+            <a:spLocks noGrp="1"/>
+          </p:cNvSpPr>
           <p:nvPr>
             <p:ph type="sldNum" sz="quarter" idx="2"/>
           </p:nvPr>
@@ -1249,8 +1363,10 @@
           <a:bodyPr/>
           <a:lstStyle/>
           <a:p>
-            <a:pPr/>
-            <a:fld id="{86CB4B4D-7CA3-9044-876B-883B54F8677D}" type="slidenum"/>
+            <a:fld id="{86CB4B4D-7CA3-9044-876B-883B54F8677D}" type="slidenum">
+              <a:t>‹#›</a:t>
+            </a:fld>
+            <a:endParaRPr/>
           </a:p>
         </p:txBody>
       </p:sp>
@@ -1259,12 +1375,12 @@
   <p:clrMapOvr>
     <a:masterClrMapping/>
   </p:clrMapOvr>
-  <p:transition xmlns:p14="http://schemas.microsoft.com/office/powerpoint/2010/main" spd="med" advClick="1"/>
+  <p:transition spd="med"/>
 </p:sldLayout>
 </file>
 
 <file path=ppt/slideLayouts/slideLayout6.xml><?xml version="1.0" encoding="utf-8"?>
-<p:sldLayout xmlns:a="http://schemas.openxmlformats.org/drawingml/2006/main" xmlns:r="http://schemas.openxmlformats.org/officeDocument/2006/relationships" xmlns:p="http://schemas.openxmlformats.org/presentationml/2006/main" xmlns:m="http://schemas.openxmlformats.org/officeDocument/2006/math" xmlns:a14="http://schemas.microsoft.com/office/drawing/2010/main" type="tx" showMasterSp="1" showMasterPhAnim="1">
+<p:sldLayout xmlns:a="http://schemas.openxmlformats.org/drawingml/2006/main" xmlns:r="http://schemas.openxmlformats.org/officeDocument/2006/relationships" xmlns:p="http://schemas.openxmlformats.org/presentationml/2006/main" type="tx">
   <p:cSld name="Title Only">
     <p:spTree>
       <p:nvGrpSpPr>
@@ -1283,7 +1399,9 @@
       <p:sp>
         <p:nvSpPr>
           <p:cNvPr id="57" name="Title Text"/>
-          <p:cNvSpPr txBox="1"/>
+          <p:cNvSpPr txBox="1">
+            <a:spLocks noGrp="1"/>
+          </p:cNvSpPr>
           <p:nvPr>
             <p:ph type="title"/>
           </p:nvPr>
@@ -1297,7 +1415,6 @@
           <a:bodyPr/>
           <a:lstStyle/>
           <a:p>
-            <a:pPr/>
             <a:r>
               <a:t>Title Text</a:t>
             </a:r>
@@ -1307,7 +1424,9 @@
       <p:sp>
         <p:nvSpPr>
           <p:cNvPr id="58" name="Slide Number"/>
-          <p:cNvSpPr txBox="1"/>
+          <p:cNvSpPr txBox="1">
+            <a:spLocks noGrp="1"/>
+          </p:cNvSpPr>
           <p:nvPr>
             <p:ph type="sldNum" sz="quarter" idx="2"/>
           </p:nvPr>
@@ -1321,8 +1440,10 @@
           <a:bodyPr/>
           <a:lstStyle/>
           <a:p>
-            <a:pPr/>
-            <a:fld id="{86CB4B4D-7CA3-9044-876B-883B54F8677D}" type="slidenum"/>
+            <a:fld id="{86CB4B4D-7CA3-9044-876B-883B54F8677D}" type="slidenum">
+              <a:t>‹#›</a:t>
+            </a:fld>
+            <a:endParaRPr/>
           </a:p>
         </p:txBody>
       </p:sp>
@@ -1331,12 +1452,12 @@
   <p:clrMapOvr>
     <a:masterClrMapping/>
   </p:clrMapOvr>
-  <p:transition xmlns:p14="http://schemas.microsoft.com/office/powerpoint/2010/main" spd="med" advClick="1"/>
+  <p:transition spd="med"/>
 </p:sldLayout>
 </file>
 
 <file path=ppt/slideLayouts/slideLayout7.xml><?xml version="1.0" encoding="utf-8"?>
-<p:sldLayout xmlns:a="http://schemas.openxmlformats.org/drawingml/2006/main" xmlns:r="http://schemas.openxmlformats.org/officeDocument/2006/relationships" xmlns:p="http://schemas.openxmlformats.org/presentationml/2006/main" xmlns:m="http://schemas.openxmlformats.org/officeDocument/2006/math" xmlns:a14="http://schemas.microsoft.com/office/drawing/2010/main" type="tx" showMasterSp="1" showMasterPhAnim="1">
+<p:sldLayout xmlns:a="http://schemas.openxmlformats.org/drawingml/2006/main" xmlns:r="http://schemas.openxmlformats.org/officeDocument/2006/relationships" xmlns:p="http://schemas.openxmlformats.org/presentationml/2006/main" type="tx">
   <p:cSld name="Blank">
     <p:spTree>
       <p:nvGrpSpPr>
@@ -1355,7 +1476,9 @@
       <p:sp>
         <p:nvSpPr>
           <p:cNvPr id="65" name="Slide Number"/>
-          <p:cNvSpPr txBox="1"/>
+          <p:cNvSpPr txBox="1">
+            <a:spLocks noGrp="1"/>
+          </p:cNvSpPr>
           <p:nvPr>
             <p:ph type="sldNum" sz="quarter" idx="2"/>
           </p:nvPr>
@@ -1369,8 +1492,10 @@
           <a:bodyPr/>
           <a:lstStyle/>
           <a:p>
-            <a:pPr/>
-            <a:fld id="{86CB4B4D-7CA3-9044-876B-883B54F8677D}" type="slidenum"/>
+            <a:fld id="{86CB4B4D-7CA3-9044-876B-883B54F8677D}" type="slidenum">
+              <a:t>‹#›</a:t>
+            </a:fld>
+            <a:endParaRPr/>
           </a:p>
         </p:txBody>
       </p:sp>
@@ -1379,12 +1504,12 @@
   <p:clrMapOvr>
     <a:masterClrMapping/>
   </p:clrMapOvr>
-  <p:transition xmlns:p14="http://schemas.microsoft.com/office/powerpoint/2010/main" spd="med" advClick="1"/>
+  <p:transition spd="med"/>
 </p:sldLayout>
 </file>
 
 <file path=ppt/slideLayouts/slideLayout8.xml><?xml version="1.0" encoding="utf-8"?>
-<p:sldLayout xmlns:a="http://schemas.openxmlformats.org/drawingml/2006/main" xmlns:r="http://schemas.openxmlformats.org/officeDocument/2006/relationships" xmlns:p="http://schemas.openxmlformats.org/presentationml/2006/main" xmlns:m="http://schemas.openxmlformats.org/officeDocument/2006/math" xmlns:a14="http://schemas.microsoft.com/office/drawing/2010/main" type="tx" showMasterSp="1" showMasterPhAnim="1">
+<p:sldLayout xmlns:a="http://schemas.openxmlformats.org/drawingml/2006/main" xmlns:r="http://schemas.openxmlformats.org/officeDocument/2006/relationships" xmlns:p="http://schemas.openxmlformats.org/presentationml/2006/main" type="tx">
   <p:cSld name="Content with Caption">
     <p:spTree>
       <p:nvGrpSpPr>
@@ -1403,7 +1528,9 @@
       <p:sp>
         <p:nvSpPr>
           <p:cNvPr id="72" name="Title Text"/>
-          <p:cNvSpPr txBox="1"/>
+          <p:cNvSpPr txBox="1">
+            <a:spLocks noGrp="1"/>
+          </p:cNvSpPr>
           <p:nvPr>
             <p:ph type="title"/>
           </p:nvPr>
@@ -1425,7 +1552,6 @@
             </a:lvl1pPr>
           </a:lstStyle>
           <a:p>
-            <a:pPr/>
             <a:r>
               <a:t>Title Text</a:t>
             </a:r>
@@ -1435,7 +1561,9 @@
       <p:sp>
         <p:nvSpPr>
           <p:cNvPr id="73" name="Body Level One…"/>
-          <p:cNvSpPr txBox="1"/>
+          <p:cNvSpPr txBox="1">
+            <a:spLocks noGrp="1"/>
+          </p:cNvSpPr>
           <p:nvPr>
             <p:ph type="body" sz="half" idx="1"/>
           </p:nvPr>
@@ -1469,7 +1597,6 @@
             </a:lvl5pPr>
           </a:lstStyle>
           <a:p>
-            <a:pPr/>
             <a:r>
               <a:t>Body Level One</a:t>
             </a:r>
@@ -1503,7 +1630,9 @@
       <p:sp>
         <p:nvSpPr>
           <p:cNvPr id="74" name="Text Placeholder 3"/>
-          <p:cNvSpPr/>
+          <p:cNvSpPr>
+            <a:spLocks noGrp="1"/>
+          </p:cNvSpPr>
           <p:nvPr>
             <p:ph type="body" sz="quarter" idx="21"/>
           </p:nvPr>
@@ -1527,13 +1656,16 @@
               <a:buNone/>
               <a:defRPr sz="1600"/>
             </a:pPr>
+            <a:endParaRPr/>
           </a:p>
         </p:txBody>
       </p:sp>
       <p:sp>
         <p:nvSpPr>
           <p:cNvPr id="75" name="Slide Number"/>
-          <p:cNvSpPr txBox="1"/>
+          <p:cNvSpPr txBox="1">
+            <a:spLocks noGrp="1"/>
+          </p:cNvSpPr>
           <p:nvPr>
             <p:ph type="sldNum" sz="quarter" idx="2"/>
           </p:nvPr>
@@ -1547,8 +1679,10 @@
           <a:bodyPr/>
           <a:lstStyle/>
           <a:p>
-            <a:pPr/>
-            <a:fld id="{86CB4B4D-7CA3-9044-876B-883B54F8677D}" type="slidenum"/>
+            <a:fld id="{86CB4B4D-7CA3-9044-876B-883B54F8677D}" type="slidenum">
+              <a:t>‹#›</a:t>
+            </a:fld>
+            <a:endParaRPr/>
           </a:p>
         </p:txBody>
       </p:sp>
@@ -1557,12 +1691,12 @@
   <p:clrMapOvr>
     <a:masterClrMapping/>
   </p:clrMapOvr>
-  <p:transition xmlns:p14="http://schemas.microsoft.com/office/powerpoint/2010/main" spd="med" advClick="1"/>
+  <p:transition spd="med"/>
 </p:sldLayout>
 </file>
 
 <file path=ppt/slideLayouts/slideLayout9.xml><?xml version="1.0" encoding="utf-8"?>
-<p:sldLayout xmlns:a="http://schemas.openxmlformats.org/drawingml/2006/main" xmlns:r="http://schemas.openxmlformats.org/officeDocument/2006/relationships" xmlns:p="http://schemas.openxmlformats.org/presentationml/2006/main" xmlns:m="http://schemas.openxmlformats.org/officeDocument/2006/math" xmlns:a14="http://schemas.microsoft.com/office/drawing/2010/main" type="tx" showMasterSp="1" showMasterPhAnim="1">
+<p:sldLayout xmlns:a="http://schemas.openxmlformats.org/drawingml/2006/main" xmlns:r="http://schemas.openxmlformats.org/officeDocument/2006/relationships" xmlns:p="http://schemas.openxmlformats.org/presentationml/2006/main" type="tx">
   <p:cSld name="Picture with Caption">
     <p:spTree>
       <p:nvGrpSpPr>
@@ -1581,7 +1715,9 @@
       <p:sp>
         <p:nvSpPr>
           <p:cNvPr id="82" name="Title Text"/>
-          <p:cNvSpPr txBox="1"/>
+          <p:cNvSpPr txBox="1">
+            <a:spLocks noGrp="1"/>
+          </p:cNvSpPr>
           <p:nvPr>
             <p:ph type="title"/>
           </p:nvPr>
@@ -1603,7 +1739,6 @@
             </a:lvl1pPr>
           </a:lstStyle>
           <a:p>
-            <a:pPr/>
             <a:r>
               <a:t>Title Text</a:t>
             </a:r>
@@ -1613,7 +1748,9 @@
       <p:sp>
         <p:nvSpPr>
           <p:cNvPr id="83" name="Picture Placeholder 2"/>
-          <p:cNvSpPr/>
+          <p:cNvSpPr>
+            <a:spLocks noGrp="1"/>
+          </p:cNvSpPr>
           <p:nvPr>
             <p:ph type="pic" sz="half" idx="21"/>
           </p:nvPr>
@@ -1633,14 +1770,16 @@
           </a:bodyPr>
           <a:lstStyle/>
           <a:p>
-            <a:pPr/>
+            <a:endParaRPr/>
           </a:p>
         </p:txBody>
       </p:sp>
       <p:sp>
         <p:nvSpPr>
           <p:cNvPr id="84" name="Body Level One…"/>
-          <p:cNvSpPr txBox="1"/>
+          <p:cNvSpPr txBox="1">
+            <a:spLocks noGrp="1"/>
+          </p:cNvSpPr>
           <p:nvPr>
             <p:ph type="body" sz="quarter" idx="1"/>
           </p:nvPr>
@@ -1689,7 +1828,6 @@
             </a:lvl5pPr>
           </a:lstStyle>
           <a:p>
-            <a:pPr/>
             <a:r>
               <a:t>Body Level One</a:t>
             </a:r>
@@ -1723,7 +1861,9 @@
       <p:sp>
         <p:nvSpPr>
           <p:cNvPr id="85" name="Slide Number"/>
-          <p:cNvSpPr txBox="1"/>
+          <p:cNvSpPr txBox="1">
+            <a:spLocks noGrp="1"/>
+          </p:cNvSpPr>
           <p:nvPr>
             <p:ph type="sldNum" sz="quarter" idx="2"/>
           </p:nvPr>
@@ -1737,8 +1877,10 @@
           <a:bodyPr/>
           <a:lstStyle/>
           <a:p>
-            <a:pPr/>
-            <a:fld id="{86CB4B4D-7CA3-9044-876B-883B54F8677D}" type="slidenum"/>
+            <a:fld id="{86CB4B4D-7CA3-9044-876B-883B54F8677D}" type="slidenum">
+              <a:t>‹#›</a:t>
+            </a:fld>
+            <a:endParaRPr/>
           </a:p>
         </p:txBody>
       </p:sp>
@@ -1747,18 +1889,19 @@
   <p:clrMapOvr>
     <a:masterClrMapping/>
   </p:clrMapOvr>
-  <p:transition xmlns:p14="http://schemas.microsoft.com/office/powerpoint/2010/main" spd="med" advClick="1"/>
+  <p:transition spd="med"/>
 </p:sldLayout>
 </file>
 
 <file path=ppt/slideMasters/slideMaster1.xml><?xml version="1.0" encoding="utf-8"?>
-<p:sldMaster xmlns:a="http://schemas.openxmlformats.org/drawingml/2006/main" xmlns:r="http://schemas.openxmlformats.org/officeDocument/2006/relationships" xmlns:p="http://schemas.openxmlformats.org/presentationml/2006/main" xmlns:m="http://schemas.openxmlformats.org/officeDocument/2006/math" xmlns:a14="http://schemas.microsoft.com/office/drawing/2010/main">
+<p:sldMaster xmlns:a="http://schemas.openxmlformats.org/drawingml/2006/main" xmlns:r="http://schemas.openxmlformats.org/officeDocument/2006/relationships" xmlns:p="http://schemas.openxmlformats.org/presentationml/2006/main">
   <p:cSld>
     <p:bg>
       <p:bgPr>
         <a:solidFill>
           <a:srgbClr val="FFFFFF"/>
         </a:solidFill>
+        <a:effectLst/>
       </p:bgPr>
     </p:bg>
     <p:spTree>
@@ -1778,7 +1921,9 @@
       <p:sp>
         <p:nvSpPr>
           <p:cNvPr id="2" name="Title Text"/>
-          <p:cNvSpPr txBox="1"/>
+          <p:cNvSpPr txBox="1">
+            <a:spLocks noGrp="1"/>
+          </p:cNvSpPr>
           <p:nvPr>
             <p:ph type="title"/>
           </p:nvPr>
@@ -1796,17 +1941,16 @@
           </a:ln>
           <a:extLst>
             <a:ext uri="{C572A759-6A51-4108-AA02-DFA0A04FC94B}">
-              <ma14:wrappingTextBoxFlag xmlns:ma14="http://schemas.microsoft.com/office/mac/drawingml/2011/main" val="1"/>
+              <ma14:wrappingTextBoxFlag xmlns:ma14="http://schemas.microsoft.com/office/mac/drawingml/2011/main" xmlns:a14="http://schemas.microsoft.com/office/drawing/2010/main" xmlns:m="http://schemas.openxmlformats.org/officeDocument/2006/math" xmlns="" val="1"/>
             </a:ext>
           </a:extLst>
         </p:spPr>
         <p:txBody>
           <a:bodyPr lIns="45719" rIns="45719" anchor="ctr">
-            <a:normAutofit fontScale="100000" lnSpcReduction="0"/>
+            <a:normAutofit/>
           </a:bodyPr>
           <a:lstStyle/>
           <a:p>
-            <a:pPr/>
             <a:r>
               <a:t>Title Text</a:t>
             </a:r>
@@ -1816,7 +1960,9 @@
       <p:sp>
         <p:nvSpPr>
           <p:cNvPr id="3" name="Body Level One…"/>
-          <p:cNvSpPr txBox="1"/>
+          <p:cNvSpPr txBox="1">
+            <a:spLocks noGrp="1"/>
+          </p:cNvSpPr>
           <p:nvPr>
             <p:ph type="body" idx="1"/>
           </p:nvPr>
@@ -1834,17 +1980,16 @@
           </a:ln>
           <a:extLst>
             <a:ext uri="{C572A759-6A51-4108-AA02-DFA0A04FC94B}">
-              <ma14:wrappingTextBoxFlag xmlns:ma14="http://schemas.microsoft.com/office/mac/drawingml/2011/main" val="1"/>
+              <ma14:wrappingTextBoxFlag xmlns:ma14="http://schemas.microsoft.com/office/mac/drawingml/2011/main" xmlns:a14="http://schemas.microsoft.com/office/drawing/2010/main" xmlns:m="http://schemas.openxmlformats.org/officeDocument/2006/math" xmlns="" val="1"/>
             </a:ext>
           </a:extLst>
         </p:spPr>
         <p:txBody>
           <a:bodyPr lIns="45719" rIns="45719">
-            <a:normAutofit fontScale="100000" lnSpcReduction="0"/>
+            <a:normAutofit/>
           </a:bodyPr>
           <a:lstStyle/>
           <a:p>
-            <a:pPr/>
             <a:r>
               <a:t>Body Level One</a:t>
             </a:r>
@@ -1878,7 +2023,9 @@
       <p:sp>
         <p:nvSpPr>
           <p:cNvPr id="4" name="Slide Number"/>
-          <p:cNvSpPr txBox="1"/>
+          <p:cNvSpPr txBox="1">
+            <a:spLocks noGrp="1"/>
+          </p:cNvSpPr>
           <p:nvPr>
             <p:ph type="sldNum" sz="quarter" idx="2"/>
           </p:nvPr>
@@ -1909,8 +2056,10 @@
             </a:lvl1pPr>
           </a:lstStyle>
           <a:p>
-            <a:pPr/>
-            <a:fld id="{86CB4B4D-7CA3-9044-876B-883B54F8677D}" type="slidenum"/>
+            <a:fld id="{86CB4B4D-7CA3-9044-876B-883B54F8677D}" type="slidenum">
+              <a:t>‹#›</a:t>
+            </a:fld>
+            <a:endParaRPr/>
           </a:p>
         </p:txBody>
       </p:sp>
@@ -1918,17 +2067,17 @@
   </p:cSld>
   <p:clrMap bg1="lt1" tx1="dk1" bg2="lt2" tx2="dk2" accent1="accent1" accent2="accent2" accent3="accent3" accent4="accent4" accent5="accent5" accent6="accent6" hlink="hlink" folHlink="folHlink"/>
   <p:sldLayoutIdLst>
-    <p:sldLayoutId id="2147483649" r:id="rId2"/>
-    <p:sldLayoutId id="2147483650" r:id="rId3"/>
-    <p:sldLayoutId id="2147483651" r:id="rId4"/>
-    <p:sldLayoutId id="2147483652" r:id="rId5"/>
-    <p:sldLayoutId id="2147483653" r:id="rId6"/>
-    <p:sldLayoutId id="2147483654" r:id="rId7"/>
-    <p:sldLayoutId id="2147483655" r:id="rId8"/>
-    <p:sldLayoutId id="2147483656" r:id="rId9"/>
-    <p:sldLayoutId id="2147483657" r:id="rId10"/>
+    <p:sldLayoutId id="2147483649" r:id="rId1"/>
+    <p:sldLayoutId id="2147483650" r:id="rId2"/>
+    <p:sldLayoutId id="2147483651" r:id="rId3"/>
+    <p:sldLayoutId id="2147483652" r:id="rId4"/>
+    <p:sldLayoutId id="2147483653" r:id="rId5"/>
+    <p:sldLayoutId id="2147483654" r:id="rId6"/>
+    <p:sldLayoutId id="2147483655" r:id="rId7"/>
+    <p:sldLayoutId id="2147483656" r:id="rId8"/>
+    <p:sldLayoutId id="2147483657" r:id="rId9"/>
   </p:sldLayoutIdLst>
-  <p:transition xmlns:p14="http://schemas.microsoft.com/office/powerpoint/2010/main" spd="med" advClick="1"/>
+  <p:transition spd="med"/>
   <p:txStyles>
     <p:titleStyle>
       <a:lvl1pPr marL="0" marR="0" indent="0" algn="l" defTabSz="914400" rtl="0" latinLnBrk="0">
@@ -1946,7 +2095,7 @@
         <a:buFontTx/>
         <a:buNone/>
         <a:tabLst/>
-        <a:defRPr b="0" baseline="0" cap="none" i="0" spc="0" strike="noStrike" sz="4400" u="none">
+        <a:defRPr sz="4400" b="0" i="0" u="none" strike="noStrike" cap="none" spc="0" baseline="0">
           <a:solidFill>
             <a:srgbClr val="000000"/>
           </a:solidFill>
@@ -1972,7 +2121,7 @@
         <a:buFontTx/>
         <a:buNone/>
         <a:tabLst/>
-        <a:defRPr b="0" baseline="0" cap="none" i="0" spc="0" strike="noStrike" sz="4400" u="none">
+        <a:defRPr sz="4400" b="0" i="0" u="none" strike="noStrike" cap="none" spc="0" baseline="0">
           <a:solidFill>
             <a:srgbClr val="000000"/>
           </a:solidFill>
@@ -1998,7 +2147,7 @@
         <a:buFontTx/>
         <a:buNone/>
         <a:tabLst/>
-        <a:defRPr b="0" baseline="0" cap="none" i="0" spc="0" strike="noStrike" sz="4400" u="none">
+        <a:defRPr sz="4400" b="0" i="0" u="none" strike="noStrike" cap="none" spc="0" baseline="0">
           <a:solidFill>
             <a:srgbClr val="000000"/>
           </a:solidFill>
@@ -2024,7 +2173,7 @@
         <a:buFontTx/>
         <a:buNone/>
         <a:tabLst/>
-        <a:defRPr b="0" baseline="0" cap="none" i="0" spc="0" strike="noStrike" sz="4400" u="none">
+        <a:defRPr sz="4400" b="0" i="0" u="none" strike="noStrike" cap="none" spc="0" baseline="0">
           <a:solidFill>
             <a:srgbClr val="000000"/>
           </a:solidFill>
@@ -2050,7 +2199,7 @@
         <a:buFontTx/>
         <a:buNone/>
         <a:tabLst/>
-        <a:defRPr b="0" baseline="0" cap="none" i="0" spc="0" strike="noStrike" sz="4400" u="none">
+        <a:defRPr sz="4400" b="0" i="0" u="none" strike="noStrike" cap="none" spc="0" baseline="0">
           <a:solidFill>
             <a:srgbClr val="000000"/>
           </a:solidFill>
@@ -2076,7 +2225,7 @@
         <a:buFontTx/>
         <a:buNone/>
         <a:tabLst/>
-        <a:defRPr b="0" baseline="0" cap="none" i="0" spc="0" strike="noStrike" sz="4400" u="none">
+        <a:defRPr sz="4400" b="0" i="0" u="none" strike="noStrike" cap="none" spc="0" baseline="0">
           <a:solidFill>
             <a:srgbClr val="000000"/>
           </a:solidFill>
@@ -2102,7 +2251,7 @@
         <a:buFontTx/>
         <a:buNone/>
         <a:tabLst/>
-        <a:defRPr b="0" baseline="0" cap="none" i="0" spc="0" strike="noStrike" sz="4400" u="none">
+        <a:defRPr sz="4400" b="0" i="0" u="none" strike="noStrike" cap="none" spc="0" baseline="0">
           <a:solidFill>
             <a:srgbClr val="000000"/>
           </a:solidFill>
@@ -2128,7 +2277,7 @@
         <a:buFontTx/>
         <a:buNone/>
         <a:tabLst/>
-        <a:defRPr b="0" baseline="0" cap="none" i="0" spc="0" strike="noStrike" sz="4400" u="none">
+        <a:defRPr sz="4400" b="0" i="0" u="none" strike="noStrike" cap="none" spc="0" baseline="0">
           <a:solidFill>
             <a:srgbClr val="000000"/>
           </a:solidFill>
@@ -2154,7 +2303,7 @@
         <a:buFontTx/>
         <a:buNone/>
         <a:tabLst/>
-        <a:defRPr b="0" baseline="0" cap="none" i="0" spc="0" strike="noStrike" sz="4400" u="none">
+        <a:defRPr sz="4400" b="0" i="0" u="none" strike="noStrike" cap="none" spc="0" baseline="0">
           <a:solidFill>
             <a:srgbClr val="000000"/>
           </a:solidFill>
@@ -2182,7 +2331,7 @@
         <a:buFont typeface="Arial"/>
         <a:buChar char="•"/>
         <a:tabLst/>
-        <a:defRPr b="0" baseline="0" cap="none" i="0" spc="0" strike="noStrike" sz="2800" u="none">
+        <a:defRPr sz="2800" b="0" i="0" u="none" strike="noStrike" cap="none" spc="0" baseline="0">
           <a:solidFill>
             <a:srgbClr val="000000"/>
           </a:solidFill>
@@ -2208,7 +2357,7 @@
         <a:buFont typeface="Arial"/>
         <a:buChar char="•"/>
         <a:tabLst/>
-        <a:defRPr b="0" baseline="0" cap="none" i="0" spc="0" strike="noStrike" sz="2800" u="none">
+        <a:defRPr sz="2800" b="0" i="0" u="none" strike="noStrike" cap="none" spc="0" baseline="0">
           <a:solidFill>
             <a:srgbClr val="000000"/>
           </a:solidFill>
@@ -2234,7 +2383,7 @@
         <a:buFont typeface="Arial"/>
         <a:buChar char="•"/>
         <a:tabLst/>
-        <a:defRPr b="0" baseline="0" cap="none" i="0" spc="0" strike="noStrike" sz="2800" u="none">
+        <a:defRPr sz="2800" b="0" i="0" u="none" strike="noStrike" cap="none" spc="0" baseline="0">
           <a:solidFill>
             <a:srgbClr val="000000"/>
           </a:solidFill>
@@ -2260,7 +2409,7 @@
         <a:buFont typeface="Arial"/>
         <a:buChar char="•"/>
         <a:tabLst/>
-        <a:defRPr b="0" baseline="0" cap="none" i="0" spc="0" strike="noStrike" sz="2800" u="none">
+        <a:defRPr sz="2800" b="0" i="0" u="none" strike="noStrike" cap="none" spc="0" baseline="0">
           <a:solidFill>
             <a:srgbClr val="000000"/>
           </a:solidFill>
@@ -2286,7 +2435,7 @@
         <a:buFont typeface="Arial"/>
         <a:buChar char="•"/>
         <a:tabLst/>
-        <a:defRPr b="0" baseline="0" cap="none" i="0" spc="0" strike="noStrike" sz="2800" u="none">
+        <a:defRPr sz="2800" b="0" i="0" u="none" strike="noStrike" cap="none" spc="0" baseline="0">
           <a:solidFill>
             <a:srgbClr val="000000"/>
           </a:solidFill>
@@ -2312,7 +2461,7 @@
         <a:buFont typeface="Arial"/>
         <a:buChar char="•"/>
         <a:tabLst/>
-        <a:defRPr b="0" baseline="0" cap="none" i="0" spc="0" strike="noStrike" sz="2800" u="none">
+        <a:defRPr sz="2800" b="0" i="0" u="none" strike="noStrike" cap="none" spc="0" baseline="0">
           <a:solidFill>
             <a:srgbClr val="000000"/>
           </a:solidFill>
@@ -2338,7 +2487,7 @@
         <a:buFont typeface="Arial"/>
         <a:buChar char="•"/>
         <a:tabLst/>
-        <a:defRPr b="0" baseline="0" cap="none" i="0" spc="0" strike="noStrike" sz="2800" u="none">
+        <a:defRPr sz="2800" b="0" i="0" u="none" strike="noStrike" cap="none" spc="0" baseline="0">
           <a:solidFill>
             <a:srgbClr val="000000"/>
           </a:solidFill>
@@ -2364,7 +2513,7 @@
         <a:buFont typeface="Arial"/>
         <a:buChar char="•"/>
         <a:tabLst/>
-        <a:defRPr b="0" baseline="0" cap="none" i="0" spc="0" strike="noStrike" sz="2800" u="none">
+        <a:defRPr sz="2800" b="0" i="0" u="none" strike="noStrike" cap="none" spc="0" baseline="0">
           <a:solidFill>
             <a:srgbClr val="000000"/>
           </a:solidFill>
@@ -2390,7 +2539,7 @@
         <a:buFont typeface="Arial"/>
         <a:buChar char="•"/>
         <a:tabLst/>
-        <a:defRPr b="0" baseline="0" cap="none" i="0" spc="0" strike="noStrike" sz="2800" u="none">
+        <a:defRPr sz="2800" b="0" i="0" u="none" strike="noStrike" cap="none" spc="0" baseline="0">
           <a:solidFill>
             <a:srgbClr val="000000"/>
           </a:solidFill>
@@ -2418,7 +2567,7 @@
         <a:buFontTx/>
         <a:buNone/>
         <a:tabLst/>
-        <a:defRPr b="0" baseline="0" cap="none" i="0" spc="0" strike="noStrike" sz="1200" u="none">
+        <a:defRPr sz="1200" b="0" i="0" u="none" strike="noStrike" cap="none" spc="0" baseline="0">
           <a:solidFill>
             <a:schemeClr val="tx1"/>
           </a:solidFill>
@@ -2444,7 +2593,7 @@
         <a:buFontTx/>
         <a:buNone/>
         <a:tabLst/>
-        <a:defRPr b="0" baseline="0" cap="none" i="0" spc="0" strike="noStrike" sz="1200" u="none">
+        <a:defRPr sz="1200" b="0" i="0" u="none" strike="noStrike" cap="none" spc="0" baseline="0">
           <a:solidFill>
             <a:schemeClr val="tx1"/>
           </a:solidFill>
@@ -2470,7 +2619,7 @@
         <a:buFontTx/>
         <a:buNone/>
         <a:tabLst/>
-        <a:defRPr b="0" baseline="0" cap="none" i="0" spc="0" strike="noStrike" sz="1200" u="none">
+        <a:defRPr sz="1200" b="0" i="0" u="none" strike="noStrike" cap="none" spc="0" baseline="0">
           <a:solidFill>
             <a:schemeClr val="tx1"/>
           </a:solidFill>
@@ -2496,7 +2645,7 @@
         <a:buFontTx/>
         <a:buNone/>
         <a:tabLst/>
-        <a:defRPr b="0" baseline="0" cap="none" i="0" spc="0" strike="noStrike" sz="1200" u="none">
+        <a:defRPr sz="1200" b="0" i="0" u="none" strike="noStrike" cap="none" spc="0" baseline="0">
           <a:solidFill>
             <a:schemeClr val="tx1"/>
           </a:solidFill>
@@ -2522,7 +2671,7 @@
         <a:buFontTx/>
         <a:buNone/>
         <a:tabLst/>
-        <a:defRPr b="0" baseline="0" cap="none" i="0" spc="0" strike="noStrike" sz="1200" u="none">
+        <a:defRPr sz="1200" b="0" i="0" u="none" strike="noStrike" cap="none" spc="0" baseline="0">
           <a:solidFill>
             <a:schemeClr val="tx1"/>
           </a:solidFill>
@@ -2548,7 +2697,7 @@
         <a:buFontTx/>
         <a:buNone/>
         <a:tabLst/>
-        <a:defRPr b="0" baseline="0" cap="none" i="0" spc="0" strike="noStrike" sz="1200" u="none">
+        <a:defRPr sz="1200" b="0" i="0" u="none" strike="noStrike" cap="none" spc="0" baseline="0">
           <a:solidFill>
             <a:schemeClr val="tx1"/>
           </a:solidFill>
@@ -2574,7 +2723,7 @@
         <a:buFontTx/>
         <a:buNone/>
         <a:tabLst/>
-        <a:defRPr b="0" baseline="0" cap="none" i="0" spc="0" strike="noStrike" sz="1200" u="none">
+        <a:defRPr sz="1200" b="0" i="0" u="none" strike="noStrike" cap="none" spc="0" baseline="0">
           <a:solidFill>
             <a:schemeClr val="tx1"/>
           </a:solidFill>
@@ -2600,7 +2749,7 @@
         <a:buFontTx/>
         <a:buNone/>
         <a:tabLst/>
-        <a:defRPr b="0" baseline="0" cap="none" i="0" spc="0" strike="noStrike" sz="1200" u="none">
+        <a:defRPr sz="1200" b="0" i="0" u="none" strike="noStrike" cap="none" spc="0" baseline="0">
           <a:solidFill>
             <a:schemeClr val="tx1"/>
           </a:solidFill>
@@ -2626,7 +2775,7 @@
         <a:buFontTx/>
         <a:buNone/>
         <a:tabLst/>
-        <a:defRPr b="0" baseline="0" cap="none" i="0" spc="0" strike="noStrike" sz="1200" u="none">
+        <a:defRPr sz="1200" b="0" i="0" u="none" strike="noStrike" cap="none" spc="0" baseline="0">
           <a:solidFill>
             <a:schemeClr val="tx1"/>
           </a:solidFill>
@@ -2643,7 +2792,7 @@
 </file>
 
 <file path=ppt/slides/slide1.xml><?xml version="1.0" encoding="utf-8"?>
-<p:sld xmlns:a="http://schemas.openxmlformats.org/drawingml/2006/main" xmlns:r="http://schemas.openxmlformats.org/officeDocument/2006/relationships" xmlns:p="http://schemas.openxmlformats.org/presentationml/2006/main" xmlns:m="http://schemas.openxmlformats.org/officeDocument/2006/math" xmlns:a14="http://schemas.microsoft.com/office/drawing/2010/main" showMasterSp="1" showMasterPhAnim="1">
+<p:sld xmlns:a="http://schemas.openxmlformats.org/drawingml/2006/main" xmlns:r="http://schemas.openxmlformats.org/officeDocument/2006/relationships" xmlns:p="http://schemas.openxmlformats.org/presentationml/2006/main">
   <p:cSld>
     <p:spTree>
       <p:nvGrpSpPr>
@@ -2662,7 +2811,9 @@
       <p:sp>
         <p:nvSpPr>
           <p:cNvPr id="94" name="slide1"/>
-          <p:cNvSpPr txBox="1"/>
+          <p:cNvSpPr txBox="1">
+            <a:spLocks noGrp="1"/>
+          </p:cNvSpPr>
           <p:nvPr>
             <p:ph type="ctrTitle"/>
           </p:nvPr>
@@ -2676,7 +2827,6 @@
           <a:bodyPr/>
           <a:lstStyle/>
           <a:p>
-            <a:pPr/>
             <a:r>
               <a:t>March Madness Presentation</a:t>
             </a:r>
@@ -2686,7 +2836,9 @@
       <p:sp>
         <p:nvSpPr>
           <p:cNvPr id="95" name="slide1"/>
-          <p:cNvSpPr txBox="1"/>
+          <p:cNvSpPr txBox="1">
+            <a:spLocks noGrp="1"/>
+          </p:cNvSpPr>
           <p:nvPr>
             <p:ph type="subTitle" sz="quarter" idx="1"/>
           </p:nvPr>
@@ -2704,7 +2856,6 @@
           <a:bodyPr/>
           <a:lstStyle/>
           <a:p>
-            <a:pPr/>
             <a:r>
               <a:t>Max, Gaurav, Nathan, Jonathan</a:t>
             </a:r>
@@ -2716,12 +2867,12 @@
   <p:clrMapOvr>
     <a:masterClrMapping/>
   </p:clrMapOvr>
-  <p:transition xmlns:p14="http://schemas.microsoft.com/office/powerpoint/2010/main" spd="med" advClick="1"/>
+  <p:transition spd="med"/>
 </p:sld>
 </file>
 
 <file path=ppt/slides/slide10.xml><?xml version="1.0" encoding="utf-8"?>
-<p:sld xmlns:a="http://schemas.openxmlformats.org/drawingml/2006/main" xmlns:r="http://schemas.openxmlformats.org/officeDocument/2006/relationships" xmlns:p="http://schemas.openxmlformats.org/presentationml/2006/main" xmlns:m="http://schemas.openxmlformats.org/officeDocument/2006/math" xmlns:a14="http://schemas.microsoft.com/office/drawing/2010/main" showMasterSp="1" showMasterPhAnim="1">
+<p:sld xmlns:a="http://schemas.openxmlformats.org/drawingml/2006/main" xmlns:r="http://schemas.openxmlformats.org/officeDocument/2006/relationships" xmlns:p="http://schemas.openxmlformats.org/presentationml/2006/main">
   <p:cSld>
     <p:spTree>
       <p:nvGrpSpPr>
@@ -2746,9 +2897,7 @@
           <p:nvPr/>
         </p:nvPicPr>
         <p:blipFill>
-          <a:blip r:embed="rId2">
-            <a:extLst/>
-          </a:blip>
+          <a:blip r:embed="rId2"/>
           <a:stretch>
             <a:fillRect/>
           </a:stretch>
@@ -2771,12 +2920,12 @@
   <p:clrMapOvr>
     <a:masterClrMapping/>
   </p:clrMapOvr>
-  <p:transition xmlns:p14="http://schemas.microsoft.com/office/powerpoint/2010/main" spd="med" advClick="1"/>
+  <p:transition spd="med"/>
 </p:sld>
 </file>
 
 <file path=ppt/slides/slide11.xml><?xml version="1.0" encoding="utf-8"?>
-<p:sld xmlns:a="http://schemas.openxmlformats.org/drawingml/2006/main" xmlns:r="http://schemas.openxmlformats.org/officeDocument/2006/relationships" xmlns:p="http://schemas.openxmlformats.org/presentationml/2006/main" xmlns:m="http://schemas.openxmlformats.org/officeDocument/2006/math" xmlns:a14="http://schemas.microsoft.com/office/drawing/2010/main" showMasterSp="1" showMasterPhAnim="1">
+<p:sld xmlns:a="http://schemas.openxmlformats.org/drawingml/2006/main" xmlns:r="http://schemas.openxmlformats.org/officeDocument/2006/relationships" xmlns:p="http://schemas.openxmlformats.org/presentationml/2006/main">
   <p:cSld>
     <p:spTree>
       <p:nvGrpSpPr>
@@ -2795,7 +2944,9 @@
       <p:sp>
         <p:nvSpPr>
           <p:cNvPr id="120" name="Title 1"/>
-          <p:cNvSpPr txBox="1"/>
+          <p:cNvSpPr txBox="1">
+            <a:spLocks noGrp="1"/>
+          </p:cNvSpPr>
           <p:nvPr>
             <p:ph type="title"/>
           </p:nvPr>
@@ -2811,7 +2962,6 @@
             <a:lvl1pPr algn="ctr"/>
           </a:lstStyle>
           <a:p>
-            <a:pPr/>
             <a:r>
               <a:t>Takeaway #1</a:t>
             </a:r>
@@ -2821,7 +2971,9 @@
       <p:sp>
         <p:nvSpPr>
           <p:cNvPr id="121" name="Content Placeholder 2"/>
-          <p:cNvSpPr txBox="1"/>
+          <p:cNvSpPr txBox="1">
+            <a:spLocks noGrp="1"/>
+          </p:cNvSpPr>
           <p:nvPr>
             <p:ph type="body" idx="1"/>
           </p:nvPr>
@@ -2848,6 +3000,7 @@
               <a:buSzTx/>
               <a:buNone/>
             </a:pPr>
+            <a:endParaRPr/>
           </a:p>
           <a:p>
             <a:pPr marL="0" indent="0" algn="ctr">
@@ -2865,12 +3018,12 @@
   <p:clrMapOvr>
     <a:masterClrMapping/>
   </p:clrMapOvr>
-  <p:transition xmlns:p14="http://schemas.microsoft.com/office/powerpoint/2010/main" spd="med" advClick="1"/>
+  <p:transition spd="med"/>
 </p:sld>
 </file>
 
 <file path=ppt/slides/slide12.xml><?xml version="1.0" encoding="utf-8"?>
-<p:sld xmlns:a="http://schemas.openxmlformats.org/drawingml/2006/main" xmlns:r="http://schemas.openxmlformats.org/officeDocument/2006/relationships" xmlns:p="http://schemas.openxmlformats.org/presentationml/2006/main" xmlns:m="http://schemas.openxmlformats.org/officeDocument/2006/math" xmlns:a14="http://schemas.microsoft.com/office/drawing/2010/main" showMasterSp="1" showMasterPhAnim="1">
+<p:sld xmlns:a="http://schemas.openxmlformats.org/drawingml/2006/main" xmlns:r="http://schemas.openxmlformats.org/officeDocument/2006/relationships" xmlns:p="http://schemas.openxmlformats.org/presentationml/2006/main">
   <p:cSld>
     <p:spTree>
       <p:nvGrpSpPr>
@@ -2889,7 +3042,9 @@
       <p:sp>
         <p:nvSpPr>
           <p:cNvPr id="123" name="Title 1"/>
-          <p:cNvSpPr txBox="1"/>
+          <p:cNvSpPr txBox="1">
+            <a:spLocks noGrp="1"/>
+          </p:cNvSpPr>
           <p:nvPr>
             <p:ph type="title"/>
           </p:nvPr>
@@ -2909,7 +3064,6 @@
             <a:lvl1pPr algn="ctr"/>
           </a:lstStyle>
           <a:p>
-            <a:pPr/>
             <a:r>
               <a:t>Key 3: How To Differentiate Contenders</a:t>
             </a:r>
@@ -2921,12 +3075,12 @@
   <p:clrMapOvr>
     <a:masterClrMapping/>
   </p:clrMapOvr>
-  <p:transition xmlns:p14="http://schemas.microsoft.com/office/powerpoint/2010/main" spd="med" advClick="1"/>
+  <p:transition spd="med"/>
 </p:sld>
 </file>
 
 <file path=ppt/slides/slide13.xml><?xml version="1.0" encoding="utf-8"?>
-<p:sld xmlns:a="http://schemas.openxmlformats.org/drawingml/2006/main" xmlns:r="http://schemas.openxmlformats.org/officeDocument/2006/relationships" xmlns:p="http://schemas.openxmlformats.org/presentationml/2006/main" xmlns:m="http://schemas.openxmlformats.org/officeDocument/2006/math" xmlns:a14="http://schemas.microsoft.com/office/drawing/2010/main" showMasterSp="1" showMasterPhAnim="1">
+<p:sld xmlns:a="http://schemas.openxmlformats.org/drawingml/2006/main" xmlns:r="http://schemas.openxmlformats.org/officeDocument/2006/relationships" xmlns:p="http://schemas.openxmlformats.org/presentationml/2006/main">
   <p:cSld>
     <p:spTree>
       <p:nvGrpSpPr>
@@ -2951,9 +3105,7 @@
           <p:nvPr/>
         </p:nvPicPr>
         <p:blipFill>
-          <a:blip r:embed="rId2">
-            <a:extLst/>
-          </a:blip>
+          <a:blip r:embed="rId2"/>
           <a:stretch>
             <a:fillRect/>
           </a:stretch>
@@ -2976,12 +3128,12 @@
   <p:clrMapOvr>
     <a:masterClrMapping/>
   </p:clrMapOvr>
-  <p:transition xmlns:p14="http://schemas.microsoft.com/office/powerpoint/2010/main" spd="med" advClick="1"/>
+  <p:transition spd="med"/>
 </p:sld>
 </file>
 
 <file path=ppt/slides/slide14.xml><?xml version="1.0" encoding="utf-8"?>
-<p:sld xmlns:a="http://schemas.openxmlformats.org/drawingml/2006/main" xmlns:r="http://schemas.openxmlformats.org/officeDocument/2006/relationships" xmlns:p="http://schemas.openxmlformats.org/presentationml/2006/main" xmlns:m="http://schemas.openxmlformats.org/officeDocument/2006/math" xmlns:a14="http://schemas.microsoft.com/office/drawing/2010/main" showMasterSp="1" showMasterPhAnim="1">
+<p:sld xmlns:a="http://schemas.openxmlformats.org/drawingml/2006/main" xmlns:r="http://schemas.openxmlformats.org/officeDocument/2006/relationships" xmlns:p="http://schemas.openxmlformats.org/presentationml/2006/main">
   <p:cSld>
     <p:spTree>
       <p:nvGrpSpPr>
@@ -3000,7 +3152,9 @@
       <p:sp>
         <p:nvSpPr>
           <p:cNvPr id="127" name="Title 1"/>
-          <p:cNvSpPr txBox="1"/>
+          <p:cNvSpPr txBox="1">
+            <a:spLocks noGrp="1"/>
+          </p:cNvSpPr>
           <p:nvPr>
             <p:ph type="title"/>
           </p:nvPr>
@@ -3016,7 +3170,6 @@
             <a:lvl1pPr algn="ctr"/>
           </a:lstStyle>
           <a:p>
-            <a:pPr/>
             <a:r>
               <a:t>Takeaway #2</a:t>
             </a:r>
@@ -3026,7 +3179,9 @@
       <p:sp>
         <p:nvSpPr>
           <p:cNvPr id="128" name="Content Placeholder 2"/>
-          <p:cNvSpPr txBox="1"/>
+          <p:cNvSpPr txBox="1">
+            <a:spLocks noGrp="1"/>
+          </p:cNvSpPr>
           <p:nvPr>
             <p:ph type="body" sz="half" idx="1"/>
           </p:nvPr>
@@ -3049,7 +3204,6 @@
             </a:lvl1pPr>
           </a:lstStyle>
           <a:p>
-            <a:pPr/>
             <a:r>
               <a:t>Strength of Schedule is extremely important when picking teams to go to the Sweet 16 and beyond! Focus on picking teams from and 8 rating and beyond, and judge based off matchup ratings.</a:t>
             </a:r>
@@ -3061,12 +3215,12 @@
   <p:clrMapOvr>
     <a:masterClrMapping/>
   </p:clrMapOvr>
-  <p:transition xmlns:p14="http://schemas.microsoft.com/office/powerpoint/2010/main" spd="med" advClick="1"/>
+  <p:transition spd="med"/>
 </p:sld>
 </file>
 
 <file path=ppt/slides/slide15.xml><?xml version="1.0" encoding="utf-8"?>
-<p:sld xmlns:a="http://schemas.openxmlformats.org/drawingml/2006/main" xmlns:r="http://schemas.openxmlformats.org/officeDocument/2006/relationships" xmlns:p="http://schemas.openxmlformats.org/presentationml/2006/main" xmlns:m="http://schemas.openxmlformats.org/officeDocument/2006/math" xmlns:a14="http://schemas.microsoft.com/office/drawing/2010/main" showMasterSp="1" showMasterPhAnim="1">
+<p:sld xmlns:a="http://schemas.openxmlformats.org/drawingml/2006/main" xmlns:r="http://schemas.openxmlformats.org/officeDocument/2006/relationships" xmlns:p="http://schemas.openxmlformats.org/presentationml/2006/main">
   <p:cSld>
     <p:spTree>
       <p:nvGrpSpPr>
@@ -3091,9 +3245,7 @@
           <p:nvPr/>
         </p:nvPicPr>
         <p:blipFill>
-          <a:blip r:embed="rId2">
-            <a:extLst/>
-          </a:blip>
+          <a:blip r:embed="rId2"/>
           <a:stretch>
             <a:fillRect/>
           </a:stretch>
@@ -3116,12 +3268,12 @@
   <p:clrMapOvr>
     <a:masterClrMapping/>
   </p:clrMapOvr>
-  <p:transition xmlns:p14="http://schemas.microsoft.com/office/powerpoint/2010/main" spd="med" advClick="1"/>
+  <p:transition spd="med"/>
 </p:sld>
 </file>
 
 <file path=ppt/slides/slide16.xml><?xml version="1.0" encoding="utf-8"?>
-<p:sld xmlns:a="http://schemas.openxmlformats.org/drawingml/2006/main" xmlns:r="http://schemas.openxmlformats.org/officeDocument/2006/relationships" xmlns:p="http://schemas.openxmlformats.org/presentationml/2006/main" xmlns:m="http://schemas.openxmlformats.org/officeDocument/2006/math" xmlns:a14="http://schemas.microsoft.com/office/drawing/2010/main" showMasterSp="1" showMasterPhAnim="1">
+<p:sld xmlns:a="http://schemas.openxmlformats.org/drawingml/2006/main" xmlns:r="http://schemas.openxmlformats.org/officeDocument/2006/relationships" xmlns:p="http://schemas.openxmlformats.org/presentationml/2006/main">
   <p:cSld>
     <p:spTree>
       <p:nvGrpSpPr>
@@ -3146,9 +3298,7 @@
           <p:nvPr/>
         </p:nvPicPr>
         <p:blipFill>
-          <a:blip r:embed="rId2">
-            <a:extLst/>
-          </a:blip>
+          <a:blip r:embed="rId2"/>
           <a:stretch>
             <a:fillRect/>
           </a:stretch>
@@ -3171,12 +3321,12 @@
   <p:clrMapOvr>
     <a:masterClrMapping/>
   </p:clrMapOvr>
-  <p:transition xmlns:p14="http://schemas.microsoft.com/office/powerpoint/2010/main" spd="med" advClick="1"/>
+  <p:transition spd="med"/>
 </p:sld>
 </file>
 
 <file path=ppt/slides/slide17.xml><?xml version="1.0" encoding="utf-8"?>
-<p:sld xmlns:a="http://schemas.openxmlformats.org/drawingml/2006/main" xmlns:r="http://schemas.openxmlformats.org/officeDocument/2006/relationships" xmlns:p="http://schemas.openxmlformats.org/presentationml/2006/main" xmlns:m="http://schemas.openxmlformats.org/officeDocument/2006/math" xmlns:a14="http://schemas.microsoft.com/office/drawing/2010/main" showMasterSp="1" showMasterPhAnim="1">
+<p:sld xmlns:a="http://schemas.openxmlformats.org/drawingml/2006/main" xmlns:r="http://schemas.openxmlformats.org/officeDocument/2006/relationships" xmlns:p="http://schemas.openxmlformats.org/presentationml/2006/main">
   <p:cSld>
     <p:spTree>
       <p:nvGrpSpPr>
@@ -3201,9 +3351,7 @@
           <p:nvPr/>
         </p:nvPicPr>
         <p:blipFill>
-          <a:blip r:embed="rId2">
-            <a:extLst/>
-          </a:blip>
+          <a:blip r:embed="rId2"/>
           <a:stretch>
             <a:fillRect/>
           </a:stretch>
@@ -3226,12 +3374,12 @@
   <p:clrMapOvr>
     <a:masterClrMapping/>
   </p:clrMapOvr>
-  <p:transition xmlns:p14="http://schemas.microsoft.com/office/powerpoint/2010/main" spd="med" advClick="1"/>
+  <p:transition spd="med"/>
 </p:sld>
 </file>
 
 <file path=ppt/slides/slide18.xml><?xml version="1.0" encoding="utf-8"?>
-<p:sld xmlns:a="http://schemas.openxmlformats.org/drawingml/2006/main" xmlns:r="http://schemas.openxmlformats.org/officeDocument/2006/relationships" xmlns:p="http://schemas.openxmlformats.org/presentationml/2006/main" xmlns:m="http://schemas.openxmlformats.org/officeDocument/2006/math" xmlns:a14="http://schemas.microsoft.com/office/drawing/2010/main" showMasterSp="1" showMasterPhAnim="1">
+<p:sld xmlns:a="http://schemas.openxmlformats.org/drawingml/2006/main" xmlns:r="http://schemas.openxmlformats.org/officeDocument/2006/relationships" xmlns:p="http://schemas.openxmlformats.org/presentationml/2006/main">
   <p:cSld>
     <p:spTree>
       <p:nvGrpSpPr>
@@ -3250,7 +3398,9 @@
       <p:sp>
         <p:nvSpPr>
           <p:cNvPr id="136" name="Title 1"/>
-          <p:cNvSpPr txBox="1"/>
+          <p:cNvSpPr txBox="1">
+            <a:spLocks noGrp="1"/>
+          </p:cNvSpPr>
           <p:nvPr>
             <p:ph type="title"/>
           </p:nvPr>
@@ -3266,7 +3416,6 @@
             <a:lvl1pPr algn="ctr"/>
           </a:lstStyle>
           <a:p>
-            <a:pPr/>
             <a:r>
               <a:t>Takeaway #3</a:t>
             </a:r>
@@ -3276,7 +3425,9 @@
       <p:sp>
         <p:nvSpPr>
           <p:cNvPr id="137" name="Content Placeholder 2"/>
-          <p:cNvSpPr txBox="1"/>
+          <p:cNvSpPr txBox="1">
+            <a:spLocks noGrp="1"/>
+          </p:cNvSpPr>
           <p:nvPr>
             <p:ph type="body" sz="half" idx="1"/>
           </p:nvPr>
@@ -3299,7 +3450,6 @@
             </a:lvl1pPr>
           </a:lstStyle>
           <a:p>
-            <a:pPr/>
             <a:r>
               <a:t>Value the teams who are Non 3-Point Heavy teams higher! They typically perform better in the tournament, since not as much variance in their shots going down.</a:t>
             </a:r>
@@ -3311,12 +3461,12 @@
   <p:clrMapOvr>
     <a:masterClrMapping/>
   </p:clrMapOvr>
-  <p:transition xmlns:p14="http://schemas.microsoft.com/office/powerpoint/2010/main" spd="med" advClick="1"/>
+  <p:transition spd="med"/>
 </p:sld>
 </file>
 
 <file path=ppt/slides/slide19.xml><?xml version="1.0" encoding="utf-8"?>
-<p:sld xmlns:a="http://schemas.openxmlformats.org/drawingml/2006/main" xmlns:r="http://schemas.openxmlformats.org/officeDocument/2006/relationships" xmlns:p="http://schemas.openxmlformats.org/presentationml/2006/main" xmlns:m="http://schemas.openxmlformats.org/officeDocument/2006/math" xmlns:a14="http://schemas.microsoft.com/office/drawing/2010/main" showMasterSp="1" showMasterPhAnim="1">
+<p:sld xmlns:a="http://schemas.openxmlformats.org/drawingml/2006/main" xmlns:r="http://schemas.openxmlformats.org/officeDocument/2006/relationships" xmlns:p="http://schemas.openxmlformats.org/presentationml/2006/main">
   <p:cSld>
     <p:spTree>
       <p:nvGrpSpPr>
@@ -3335,7 +3485,9 @@
       <p:sp>
         <p:nvSpPr>
           <p:cNvPr id="139" name="Key 4: Coaching"/>
-          <p:cNvSpPr txBox="1"/>
+          <p:cNvSpPr txBox="1">
+            <a:spLocks noGrp="1"/>
+          </p:cNvSpPr>
           <p:nvPr>
             <p:ph type="ctrTitle"/>
           </p:nvPr>
@@ -3349,7 +3501,6 @@
           <a:bodyPr/>
           <a:lstStyle/>
           <a:p>
-            <a:pPr/>
             <a:r>
               <a:t>Key 4: Coaching</a:t>
             </a:r>
@@ -3361,12 +3512,12 @@
   <p:clrMapOvr>
     <a:masterClrMapping/>
   </p:clrMapOvr>
-  <p:transition xmlns:p14="http://schemas.microsoft.com/office/powerpoint/2010/main" spd="med" advClick="1"/>
+  <p:transition spd="med"/>
 </p:sld>
 </file>
 
 <file path=ppt/slides/slide2.xml><?xml version="1.0" encoding="utf-8"?>
-<p:sld xmlns:a="http://schemas.openxmlformats.org/drawingml/2006/main" xmlns:r="http://schemas.openxmlformats.org/officeDocument/2006/relationships" xmlns:p="http://schemas.openxmlformats.org/presentationml/2006/main" xmlns:m="http://schemas.openxmlformats.org/officeDocument/2006/math" xmlns:a14="http://schemas.microsoft.com/office/drawing/2010/main" showMasterSp="1" showMasterPhAnim="1">
+<p:sld xmlns:a="http://schemas.openxmlformats.org/drawingml/2006/main" xmlns:r="http://schemas.openxmlformats.org/officeDocument/2006/relationships" xmlns:p="http://schemas.openxmlformats.org/presentationml/2006/main">
   <p:cSld>
     <p:spTree>
       <p:nvGrpSpPr>
@@ -3385,7 +3536,9 @@
       <p:sp>
         <p:nvSpPr>
           <p:cNvPr id="97" name="Title 1"/>
-          <p:cNvSpPr txBox="1"/>
+          <p:cNvSpPr txBox="1">
+            <a:spLocks noGrp="1"/>
+          </p:cNvSpPr>
           <p:nvPr>
             <p:ph type="title"/>
           </p:nvPr>
@@ -3401,7 +3554,6 @@
             <a:lvl1pPr algn="ctr"/>
           </a:lstStyle>
           <a:p>
-            <a:pPr/>
             <a:r>
               <a:t>How Difficult Is It To Get A Perfect Bracket?</a:t>
             </a:r>
@@ -3411,7 +3563,9 @@
       <p:sp>
         <p:nvSpPr>
           <p:cNvPr id="98" name="Content Placeholder 2"/>
-          <p:cNvSpPr txBox="1"/>
+          <p:cNvSpPr txBox="1">
+            <a:spLocks noGrp="1"/>
+          </p:cNvSpPr>
           <p:nvPr>
             <p:ph type="body" idx="1"/>
           </p:nvPr>
@@ -3425,23 +3579,22 @@
           <a:bodyPr/>
           <a:lstStyle/>
           <a:p>
-            <a:pPr/>
             <a:r>
               <a:t>1 in 9.2 quintillion odds!</a:t>
             </a:r>
             <a:br/>
             <a:br/>
-          </a:p>
-          <a:p>
-            <a:pPr/>
+            <a:endParaRPr/>
+          </a:p>
+          <a:p>
             <a:r>
               <a:t>1 in 120.2 billion if you’re qualified as “sharp” on CBB</a:t>
             </a:r>
             <a:br/>
             <a:br/>
-          </a:p>
-          <a:p>
-            <a:pPr/>
+            <a:endParaRPr/>
+          </a:p>
+          <a:p>
             <a:r>
               <a:t>You would have to walk around the planet 5.8 billion times to see a perfect bracket!</a:t>
             </a:r>
@@ -3453,12 +3606,12 @@
   <p:clrMapOvr>
     <a:masterClrMapping/>
   </p:clrMapOvr>
-  <p:transition xmlns:p14="http://schemas.microsoft.com/office/powerpoint/2010/main" spd="med" advClick="1"/>
+  <p:transition spd="med"/>
 </p:sld>
 </file>
 
 <file path=ppt/slides/slide20.xml><?xml version="1.0" encoding="utf-8"?>
-<p:sld xmlns:a="http://schemas.openxmlformats.org/drawingml/2006/main" xmlns:r="http://schemas.openxmlformats.org/officeDocument/2006/relationships" xmlns:p="http://schemas.openxmlformats.org/presentationml/2006/main" xmlns:m="http://schemas.openxmlformats.org/officeDocument/2006/math" xmlns:a14="http://schemas.microsoft.com/office/drawing/2010/main" showMasterSp="1" showMasterPhAnim="1">
+<p:sld xmlns:a="http://schemas.openxmlformats.org/drawingml/2006/main" xmlns:r="http://schemas.openxmlformats.org/officeDocument/2006/relationships" xmlns:p="http://schemas.openxmlformats.org/presentationml/2006/main">
   <p:cSld>
     <p:spTree>
       <p:nvGrpSpPr>
@@ -3497,10 +3650,8 @@
             <p:nvPr/>
           </p:nvPicPr>
           <p:blipFill>
-            <a:blip r:embed="rId2">
-              <a:extLst/>
-            </a:blip>
-            <a:srcRect l="551" t="0" r="551" b="0"/>
+            <a:blip r:embed="rId2"/>
+            <a:srcRect l="551" r="551"/>
             <a:stretch>
               <a:fillRect/>
             </a:stretch>
@@ -3542,7 +3693,7 @@
             <a:effectLst/>
             <a:extLst>
               <a:ext uri="{C572A759-6A51-4108-AA02-DFA0A04FC94B}">
-                <ma14:wrappingTextBoxFlag xmlns:ma14="http://schemas.microsoft.com/office/mac/drawingml/2011/main" val="1"/>
+                <ma14:wrappingTextBoxFlag xmlns:ma14="http://schemas.microsoft.com/office/mac/drawingml/2011/main" xmlns:a14="http://schemas.microsoft.com/office/drawing/2010/main" xmlns:m="http://schemas.openxmlformats.org/officeDocument/2006/math" xmlns="" val="1"/>
               </a:ext>
             </a:extLst>
           </p:spPr>
@@ -3552,7 +3703,6 @@
             </a:bodyPr>
             <a:lstStyle/>
             <a:p>
-              <a:pPr/>
               <a:r>
                 <a:t>Caption</a:t>
               </a:r>
@@ -3586,7 +3736,7 @@
           <a:bodyPr lIns="45719" rIns="45719"/>
           <a:lstStyle/>
           <a:p>
-            <a:pPr/>
+            <a:endParaRPr/>
           </a:p>
         </p:txBody>
       </p:sp>
@@ -3595,14 +3745,14 @@
   <p:clrMapOvr>
     <a:masterClrMapping/>
   </p:clrMapOvr>
-  <p:transition xmlns:p14="http://schemas.microsoft.com/office/powerpoint/2010/main" spd="med" advClick="1"/>
+  <p:transition spd="med"/>
   <p:timing>
     <p:tnLst>
       <p:par>
-        <p:cTn id="1" nodeType="tmRoot" restart="never" dur="indefinite" fill="hold">
+        <p:cTn id="1" dur="indefinite" restart="never" fill="hold" nodeType="tmRoot">
           <p:childTnLst>
             <p:seq concurrent="1" prevAc="none" nextAc="seek">
-              <p:cTn id="2" nodeType="mainSeq" dur="indefinite" fill="hold">
+              <p:cTn id="2" dur="indefinite" fill="hold" nodeType="mainSeq">
                 <p:childTnLst>
                   <p:par>
                     <p:cTn id="3" fill="hold">
@@ -3617,11 +3767,11 @@
                             </p:stCondLst>
                             <p:childTnLst>
                               <p:par>
-                                <p:cTn id="5" presetClass="entr" nodeType="clickEffect" presetSubtype="8" presetID="2" grpId="1" fill="hold">
+                                <p:cTn id="5" presetID="2" presetClass="entr" presetSubtype="8" fill="hold" grpId="1" nodeType="clickEffect">
                                   <p:stCondLst>
                                     <p:cond delay="0"/>
                                   </p:stCondLst>
-                                  <p:iterate type="lt" backwards="0">
+                                  <p:iterate type="lt">
                                     <p:tmAbs val="0"/>
                                   </p:iterate>
                                   <p:childTnLst>
@@ -3697,14 +3847,14 @@
                 </p:childTnLst>
               </p:cTn>
               <p:prevCondLst>
-                <p:cond evt="onPrev">
+                <p:cond evt="onPrev" delay="0">
                   <p:tgtEl>
                     <p:sldTgt/>
                   </p:tgtEl>
                 </p:cond>
               </p:prevCondLst>
               <p:nextCondLst>
-                <p:cond evt="onNext">
+                <p:cond evt="onNext" delay="0">
                   <p:tgtEl>
                     <p:sldTgt/>
                   </p:tgtEl>
@@ -3716,14 +3866,14 @@
       </p:par>
     </p:tnLst>
     <p:bldLst>
-      <p:bldP build="whole" bldLvl="1" animBg="1" rev="0" advAuto="0" spid="144" grpId="1"/>
+      <p:bldP spid="144" grpId="1" animBg="1" advAuto="0"/>
     </p:bldLst>
   </p:timing>
 </p:sld>
 </file>
 
 <file path=ppt/slides/slide21.xml><?xml version="1.0" encoding="utf-8"?>
-<p:sld xmlns:a="http://schemas.openxmlformats.org/drawingml/2006/main" xmlns:r="http://schemas.openxmlformats.org/officeDocument/2006/relationships" xmlns:p="http://schemas.openxmlformats.org/presentationml/2006/main" xmlns:m="http://schemas.openxmlformats.org/officeDocument/2006/math" xmlns:a14="http://schemas.microsoft.com/office/drawing/2010/main" showMasterSp="1" showMasterPhAnim="1">
+<p:sld xmlns:a="http://schemas.openxmlformats.org/drawingml/2006/main" xmlns:r="http://schemas.openxmlformats.org/officeDocument/2006/relationships" xmlns:p="http://schemas.openxmlformats.org/presentationml/2006/main">
   <p:cSld>
     <p:spTree>
       <p:nvGrpSpPr>
@@ -3742,7 +3892,9 @@
       <p:sp>
         <p:nvSpPr>
           <p:cNvPr id="146" name="Title 1"/>
-          <p:cNvSpPr txBox="1"/>
+          <p:cNvSpPr txBox="1">
+            <a:spLocks noGrp="1"/>
+          </p:cNvSpPr>
           <p:nvPr>
             <p:ph type="title"/>
           </p:nvPr>
@@ -3758,7 +3910,6 @@
             <a:lvl1pPr algn="ctr"/>
           </a:lstStyle>
           <a:p>
-            <a:pPr/>
             <a:r>
               <a:t>Takeaway #4</a:t>
             </a:r>
@@ -3768,7 +3919,9 @@
       <p:sp>
         <p:nvSpPr>
           <p:cNvPr id="147" name="Content Placeholder 2"/>
-          <p:cNvSpPr txBox="1"/>
+          <p:cNvSpPr txBox="1">
+            <a:spLocks noGrp="1"/>
+          </p:cNvSpPr>
           <p:nvPr>
             <p:ph type="body" sz="half" idx="1"/>
           </p:nvPr>
@@ -3795,7 +3948,6 @@
             </a:lvl1pPr>
           </a:lstStyle>
           <a:p>
-            <a:pPr/>
             <a:r>
               <a:t>Picking teams whose coach has experience and a track record of performing well in the NCAA Tournament is a good strategy for determining picks. From the last visual 13 coaches took teams to this year’s tournament. 12 of those 13 won their First Round matchup. This suggests coaching experience and experience winning in the tournament are valuable things to consider when filling out a bracket.</a:t>
             </a:r>
@@ -3807,13 +3959,703 @@
   <p:clrMapOvr>
     <a:masterClrMapping/>
   </p:clrMapOvr>
-  <mc:AlternateContent xmlns:mc="http://schemas.openxmlformats.org/markup-compatibility/2006">
-    <mc:Choice xmlns:p14="http://schemas.microsoft.com/office/powerpoint/2010/main" Requires="p14">
-      <p:transition spd="fast" advClick="1" p14:dur="0">
+  <mc:AlternateContent xmlns:mc="http://schemas.openxmlformats.org/markup-compatibility/2006" xmlns:p14="http://schemas.microsoft.com/office/powerpoint/2010/main">
+    <mc:Choice Requires="p14">
+      <p:transition p14:dur="0">
         <p:dissolve/>
       </p:transition>
     </mc:Choice>
-    <mc:Fallback>
+    <mc:Fallback xmlns:a14="http://schemas.microsoft.com/office/drawing/2010/main" xmlns:m="http://schemas.openxmlformats.org/officeDocument/2006/math" xmlns="">
+      <p:transition spd="fast">
+        <p:fade/>
+      </p:transition>
+    </mc:Fallback>
+  </mc:AlternateContent>
+</p:sld>
+</file>
+
+<file path=ppt/slides/slide22.xml><?xml version="1.0" encoding="utf-8"?>
+<p:sld xmlns:a="http://schemas.openxmlformats.org/drawingml/2006/main" xmlns:r="http://schemas.openxmlformats.org/officeDocument/2006/relationships" xmlns:p="http://schemas.openxmlformats.org/presentationml/2006/main">
+  <p:cSld>
+    <p:spTree>
+      <p:nvGrpSpPr>
+        <p:cNvPr id="1" name="">
+          <a:extLst>
+            <a:ext uri="{FF2B5EF4-FFF2-40B4-BE49-F238E27FC236}">
+              <a16:creationId xmlns:a16="http://schemas.microsoft.com/office/drawing/2014/main" id="{72284591-3EBE-C663-2B64-8289B46F0708}"/>
+            </a:ext>
+          </a:extLst>
+        </p:cNvPr>
+        <p:cNvGrpSpPr/>
+        <p:nvPr/>
+      </p:nvGrpSpPr>
+      <p:grpSpPr>
+        <a:xfrm>
+          <a:off x="0" y="0"/>
+          <a:ext cx="0" cy="0"/>
+          <a:chOff x="0" y="0"/>
+          <a:chExt cx="0" cy="0"/>
+        </a:xfrm>
+      </p:grpSpPr>
+      <p:sp>
+        <p:nvSpPr>
+          <p:cNvPr id="139" name="Key 4: Coaching">
+            <a:extLst>
+              <a:ext uri="{FF2B5EF4-FFF2-40B4-BE49-F238E27FC236}">
+                <a16:creationId xmlns:a16="http://schemas.microsoft.com/office/drawing/2014/main" id="{E7427F11-6205-D00B-3C5E-677393C9079E}"/>
+              </a:ext>
+            </a:extLst>
+          </p:cNvPr>
+          <p:cNvSpPr txBox="1">
+            <a:spLocks noGrp="1"/>
+          </p:cNvSpPr>
+          <p:nvPr>
+            <p:ph type="ctrTitle"/>
+          </p:nvPr>
+        </p:nvSpPr>
+        <p:spPr>
+          <a:prstGeom prst="rect">
+            <a:avLst/>
+          </a:prstGeom>
+        </p:spPr>
+        <p:txBody>
+          <a:bodyPr/>
+          <a:lstStyle/>
+          <a:p>
+            <a:r>
+              <a:rPr dirty="0"/>
+              <a:t>Key </a:t>
+            </a:r>
+            <a:r>
+              <a:rPr lang="en-US" dirty="0"/>
+              <a:t>5</a:t>
+            </a:r>
+            <a:r>
+              <a:rPr dirty="0"/>
+              <a:t>: </a:t>
+            </a:r>
+            <a:r>
+              <a:rPr lang="en-US" dirty="0"/>
+              <a:t>Upset Seed Difference</a:t>
+            </a:r>
+            <a:endParaRPr dirty="0"/>
+          </a:p>
+        </p:txBody>
+      </p:sp>
+    </p:spTree>
+    <p:extLst>
+      <p:ext uri="{BB962C8B-B14F-4D97-AF65-F5344CB8AC3E}">
+        <p14:creationId xmlns:p14="http://schemas.microsoft.com/office/powerpoint/2010/main" val="992258641"/>
+      </p:ext>
+    </p:extLst>
+  </p:cSld>
+  <p:clrMapOvr>
+    <a:masterClrMapping/>
+  </p:clrMapOvr>
+  <p:transition spd="med"/>
+</p:sld>
+</file>
+
+<file path=ppt/slides/slide23.xml><?xml version="1.0" encoding="utf-8"?>
+<p:sld xmlns:a="http://schemas.openxmlformats.org/drawingml/2006/main" xmlns:r="http://schemas.openxmlformats.org/officeDocument/2006/relationships" xmlns:p="http://schemas.openxmlformats.org/presentationml/2006/main">
+  <p:cSld>
+    <p:spTree>
+      <p:nvGrpSpPr>
+        <p:cNvPr id="1" name=""/>
+        <p:cNvGrpSpPr/>
+        <p:nvPr/>
+      </p:nvGrpSpPr>
+      <p:grpSpPr>
+        <a:xfrm>
+          <a:off x="0" y="0"/>
+          <a:ext cx="0" cy="0"/>
+          <a:chOff x="0" y="0"/>
+          <a:chExt cx="0" cy="0"/>
+        </a:xfrm>
+      </p:grpSpPr>
+      <p:pic>
+        <p:nvPicPr>
+          <p:cNvPr id="5" name="Picture 4" descr="A graph with blue bars&#10;&#10;AI-generated content may be incorrect.">
+            <a:extLst>
+              <a:ext uri="{FF2B5EF4-FFF2-40B4-BE49-F238E27FC236}">
+                <a16:creationId xmlns:a16="http://schemas.microsoft.com/office/drawing/2014/main" id="{B18B3765-6354-56ED-E70B-3FC122799E71}"/>
+              </a:ext>
+            </a:extLst>
+          </p:cNvPr>
+          <p:cNvPicPr>
+            <a:picLocks noChangeAspect="1"/>
+          </p:cNvPicPr>
+          <p:nvPr/>
+        </p:nvPicPr>
+        <p:blipFill>
+          <a:blip r:embed="rId2" cstate="print">
+            <a:extLst>
+              <a:ext uri="{28A0092B-C50C-407E-A947-70E740481C1C}">
+                <a14:useLocalDpi xmlns:a14="http://schemas.microsoft.com/office/drawing/2010/main" val="0"/>
+              </a:ext>
+            </a:extLst>
+          </a:blip>
+          <a:stretch>
+            <a:fillRect/>
+          </a:stretch>
+        </p:blipFill>
+        <p:spPr>
+          <a:xfrm>
+            <a:off x="1426025" y="510266"/>
+            <a:ext cx="9339950" cy="5837468"/>
+          </a:xfrm>
+          <a:prstGeom prst="rect">
+            <a:avLst/>
+          </a:prstGeom>
+        </p:spPr>
+      </p:pic>
+    </p:spTree>
+    <p:extLst>
+      <p:ext uri="{BB962C8B-B14F-4D97-AF65-F5344CB8AC3E}">
+        <p14:creationId xmlns:p14="http://schemas.microsoft.com/office/powerpoint/2010/main" val="2343915911"/>
+      </p:ext>
+    </p:extLst>
+  </p:cSld>
+  <p:clrMapOvr>
+    <a:masterClrMapping/>
+  </p:clrMapOvr>
+  <p:transition spd="med"/>
+</p:sld>
+</file>
+
+<file path=ppt/slides/slide24.xml><?xml version="1.0" encoding="utf-8"?>
+<p:sld xmlns:a="http://schemas.openxmlformats.org/drawingml/2006/main" xmlns:r="http://schemas.openxmlformats.org/officeDocument/2006/relationships" xmlns:p="http://schemas.openxmlformats.org/presentationml/2006/main">
+  <p:cSld>
+    <p:spTree>
+      <p:nvGrpSpPr>
+        <p:cNvPr id="1" name=""/>
+        <p:cNvGrpSpPr/>
+        <p:nvPr/>
+      </p:nvGrpSpPr>
+      <p:grpSpPr>
+        <a:xfrm>
+          <a:off x="0" y="0"/>
+          <a:ext cx="0" cy="0"/>
+          <a:chOff x="0" y="0"/>
+          <a:chExt cx="0" cy="0"/>
+        </a:xfrm>
+      </p:grpSpPr>
+      <p:pic>
+        <p:nvPicPr>
+          <p:cNvPr id="13" name="Picture 12" descr="A diagram of different colored squares&#10;&#10;AI-generated content may be incorrect.">
+            <a:extLst>
+              <a:ext uri="{FF2B5EF4-FFF2-40B4-BE49-F238E27FC236}">
+                <a16:creationId xmlns:a16="http://schemas.microsoft.com/office/drawing/2014/main" id="{2A969B1D-F0F0-DF52-59FF-F8CD32153C9A}"/>
+              </a:ext>
+            </a:extLst>
+          </p:cNvPr>
+          <p:cNvPicPr>
+            <a:picLocks noChangeAspect="1"/>
+          </p:cNvPicPr>
+          <p:nvPr/>
+        </p:nvPicPr>
+        <p:blipFill>
+          <a:blip r:embed="rId2" cstate="print">
+            <a:extLst>
+              <a:ext uri="{28A0092B-C50C-407E-A947-70E740481C1C}">
+                <a14:useLocalDpi xmlns:a14="http://schemas.microsoft.com/office/drawing/2010/main" val="0"/>
+              </a:ext>
+            </a:extLst>
+          </a:blip>
+          <a:stretch>
+            <a:fillRect/>
+          </a:stretch>
+        </p:blipFill>
+        <p:spPr>
+          <a:xfrm>
+            <a:off x="1860875" y="469227"/>
+            <a:ext cx="8813541" cy="5508462"/>
+          </a:xfrm>
+          <a:prstGeom prst="rect">
+            <a:avLst/>
+          </a:prstGeom>
+        </p:spPr>
+      </p:pic>
+    </p:spTree>
+    <p:extLst>
+      <p:ext uri="{BB962C8B-B14F-4D97-AF65-F5344CB8AC3E}">
+        <p14:creationId xmlns:p14="http://schemas.microsoft.com/office/powerpoint/2010/main" val="3661842478"/>
+      </p:ext>
+    </p:extLst>
+  </p:cSld>
+  <p:clrMapOvr>
+    <a:masterClrMapping/>
+  </p:clrMapOvr>
+  <p:transition spd="med"/>
+</p:sld>
+</file>
+
+<file path=ppt/slides/slide25.xml><?xml version="1.0" encoding="utf-8"?>
+<p:sld xmlns:a="http://schemas.openxmlformats.org/drawingml/2006/main" xmlns:r="http://schemas.openxmlformats.org/officeDocument/2006/relationships" xmlns:p="http://schemas.openxmlformats.org/presentationml/2006/main">
+  <p:cSld>
+    <p:spTree>
+      <p:nvGrpSpPr>
+        <p:cNvPr id="1" name="">
+          <a:extLst>
+            <a:ext uri="{FF2B5EF4-FFF2-40B4-BE49-F238E27FC236}">
+              <a16:creationId xmlns:a16="http://schemas.microsoft.com/office/drawing/2014/main" id="{B2FC847E-2026-26BB-63E1-99E0EC981F73}"/>
+            </a:ext>
+          </a:extLst>
+        </p:cNvPr>
+        <p:cNvGrpSpPr/>
+        <p:nvPr/>
+      </p:nvGrpSpPr>
+      <p:grpSpPr>
+        <a:xfrm>
+          <a:off x="0" y="0"/>
+          <a:ext cx="0" cy="0"/>
+          <a:chOff x="0" y="0"/>
+          <a:chExt cx="0" cy="0"/>
+        </a:xfrm>
+      </p:grpSpPr>
+      <p:sp>
+        <p:nvSpPr>
+          <p:cNvPr id="146" name="Title 1">
+            <a:extLst>
+              <a:ext uri="{FF2B5EF4-FFF2-40B4-BE49-F238E27FC236}">
+                <a16:creationId xmlns:a16="http://schemas.microsoft.com/office/drawing/2014/main" id="{49F82F9B-B500-9AC0-9723-1ACBD9DFD379}"/>
+              </a:ext>
+            </a:extLst>
+          </p:cNvPr>
+          <p:cNvSpPr txBox="1">
+            <a:spLocks noGrp="1"/>
+          </p:cNvSpPr>
+          <p:nvPr>
+            <p:ph type="title"/>
+          </p:nvPr>
+        </p:nvSpPr>
+        <p:spPr>
+          <a:prstGeom prst="rect">
+            <a:avLst/>
+          </a:prstGeom>
+        </p:spPr>
+        <p:txBody>
+          <a:bodyPr/>
+          <a:lstStyle>
+            <a:lvl1pPr algn="ctr"/>
+          </a:lstStyle>
+          <a:p>
+            <a:r>
+              <a:rPr dirty="0"/>
+              <a:t>Takeaway #</a:t>
+            </a:r>
+            <a:r>
+              <a:rPr lang="en-US" dirty="0"/>
+              <a:t>5</a:t>
+            </a:r>
+            <a:endParaRPr dirty="0"/>
+          </a:p>
+        </p:txBody>
+      </p:sp>
+      <p:sp>
+        <p:nvSpPr>
+          <p:cNvPr id="147" name="Content Placeholder 2">
+            <a:extLst>
+              <a:ext uri="{FF2B5EF4-FFF2-40B4-BE49-F238E27FC236}">
+                <a16:creationId xmlns:a16="http://schemas.microsoft.com/office/drawing/2014/main" id="{087D1DE4-89FC-AF03-2605-6050F874ADD5}"/>
+              </a:ext>
+            </a:extLst>
+          </p:cNvPr>
+          <p:cNvSpPr txBox="1">
+            <a:spLocks noGrp="1"/>
+          </p:cNvSpPr>
+          <p:nvPr>
+            <p:ph type="body" sz="half" idx="1"/>
+          </p:nvPr>
+        </p:nvSpPr>
+        <p:spPr>
+          <a:xfrm>
+            <a:off x="838200" y="2935966"/>
+            <a:ext cx="10515600" cy="1794654"/>
+          </a:xfrm>
+          <a:prstGeom prst="rect">
+            <a:avLst/>
+          </a:prstGeom>
+        </p:spPr>
+        <p:txBody>
+          <a:bodyPr/>
+          <a:lstStyle>
+            <a:lvl1pPr marL="0" indent="0" algn="ctr" defTabSz="804672">
+              <a:spcBef>
+                <a:spcPts val="800"/>
+              </a:spcBef>
+              <a:buSzTx/>
+              <a:buNone/>
+              <a:defRPr sz="2464"/>
+            </a:lvl1pPr>
+          </a:lstStyle>
+          <a:p>
+            <a:r>
+              <a:rPr lang="en-US" dirty="0"/>
+              <a:t>Upsets with a seed difference of more than 9 are rare and should likely not be considered for picks. Most upsets fall between a seed difference range of 3-9, with 3 and 5 being the most common. Upsets with a seed difference of 2 and 6 rarely occur, but this could also be due to the fact that matchups with those differences don’t occur often in the first place.</a:t>
+            </a:r>
+            <a:endParaRPr dirty="0"/>
+          </a:p>
+        </p:txBody>
+      </p:sp>
+    </p:spTree>
+    <p:extLst>
+      <p:ext uri="{BB962C8B-B14F-4D97-AF65-F5344CB8AC3E}">
+        <p14:creationId xmlns:p14="http://schemas.microsoft.com/office/powerpoint/2010/main" val="3022677170"/>
+      </p:ext>
+    </p:extLst>
+  </p:cSld>
+  <p:clrMapOvr>
+    <a:masterClrMapping/>
+  </p:clrMapOvr>
+  <mc:AlternateContent xmlns:mc="http://schemas.openxmlformats.org/markup-compatibility/2006" xmlns:p14="http://schemas.microsoft.com/office/powerpoint/2010/main">
+    <mc:Choice Requires="p14">
+      <p:transition p14:dur="0">
+        <p:dissolve/>
+      </p:transition>
+    </mc:Choice>
+    <mc:Fallback xmlns:a14="http://schemas.microsoft.com/office/drawing/2010/main" xmlns:m="http://schemas.openxmlformats.org/officeDocument/2006/math" xmlns="">
+      <p:transition spd="fast">
+        <p:fade/>
+      </p:transition>
+    </mc:Fallback>
+  </mc:AlternateContent>
+</p:sld>
+</file>
+
+<file path=ppt/slides/slide26.xml><?xml version="1.0" encoding="utf-8"?>
+<p:sld xmlns:a="http://schemas.openxmlformats.org/drawingml/2006/main" xmlns:r="http://schemas.openxmlformats.org/officeDocument/2006/relationships" xmlns:p="http://schemas.openxmlformats.org/presentationml/2006/main">
+  <p:cSld>
+    <p:spTree>
+      <p:nvGrpSpPr>
+        <p:cNvPr id="1" name="">
+          <a:extLst>
+            <a:ext uri="{FF2B5EF4-FFF2-40B4-BE49-F238E27FC236}">
+              <a16:creationId xmlns:a16="http://schemas.microsoft.com/office/drawing/2014/main" id="{2D5F7022-D272-AA22-6CE2-27E87816C48B}"/>
+            </a:ext>
+          </a:extLst>
+        </p:cNvPr>
+        <p:cNvGrpSpPr/>
+        <p:nvPr/>
+      </p:nvGrpSpPr>
+      <p:grpSpPr>
+        <a:xfrm>
+          <a:off x="0" y="0"/>
+          <a:ext cx="0" cy="0"/>
+          <a:chOff x="0" y="0"/>
+          <a:chExt cx="0" cy="0"/>
+        </a:xfrm>
+      </p:grpSpPr>
+      <p:sp>
+        <p:nvSpPr>
+          <p:cNvPr id="139" name="Key 4: Coaching">
+            <a:extLst>
+              <a:ext uri="{FF2B5EF4-FFF2-40B4-BE49-F238E27FC236}">
+                <a16:creationId xmlns:a16="http://schemas.microsoft.com/office/drawing/2014/main" id="{58EB4CA8-F054-58C6-2F80-696D99F79576}"/>
+              </a:ext>
+            </a:extLst>
+          </p:cNvPr>
+          <p:cNvSpPr txBox="1">
+            <a:spLocks noGrp="1"/>
+          </p:cNvSpPr>
+          <p:nvPr>
+            <p:ph type="ctrTitle"/>
+          </p:nvPr>
+        </p:nvSpPr>
+        <p:spPr>
+          <a:prstGeom prst="rect">
+            <a:avLst/>
+          </a:prstGeom>
+        </p:spPr>
+        <p:txBody>
+          <a:bodyPr/>
+          <a:lstStyle/>
+          <a:p>
+            <a:r>
+              <a:rPr dirty="0"/>
+              <a:t>Key </a:t>
+            </a:r>
+            <a:r>
+              <a:rPr lang="en-US" dirty="0"/>
+              <a:t>6: Preseason Favorites vs Late Arrivers</a:t>
+            </a:r>
+            <a:endParaRPr dirty="0"/>
+          </a:p>
+        </p:txBody>
+      </p:sp>
+    </p:spTree>
+    <p:extLst>
+      <p:ext uri="{BB962C8B-B14F-4D97-AF65-F5344CB8AC3E}">
+        <p14:creationId xmlns:p14="http://schemas.microsoft.com/office/powerpoint/2010/main" val="842339386"/>
+      </p:ext>
+    </p:extLst>
+  </p:cSld>
+  <p:clrMapOvr>
+    <a:masterClrMapping/>
+  </p:clrMapOvr>
+  <p:transition spd="med"/>
+</p:sld>
+</file>
+
+<file path=ppt/slides/slide27.xml><?xml version="1.0" encoding="utf-8"?>
+<p:sld xmlns:a="http://schemas.openxmlformats.org/drawingml/2006/main" xmlns:r="http://schemas.openxmlformats.org/officeDocument/2006/relationships" xmlns:p="http://schemas.openxmlformats.org/presentationml/2006/main">
+  <p:cSld>
+    <p:spTree>
+      <p:nvGrpSpPr>
+        <p:cNvPr id="1" name=""/>
+        <p:cNvGrpSpPr/>
+        <p:nvPr/>
+      </p:nvGrpSpPr>
+      <p:grpSpPr>
+        <a:xfrm>
+          <a:off x="0" y="0"/>
+          <a:ext cx="0" cy="0"/>
+          <a:chOff x="0" y="0"/>
+          <a:chExt cx="0" cy="0"/>
+        </a:xfrm>
+      </p:grpSpPr>
+      <p:pic>
+        <p:nvPicPr>
+          <p:cNvPr id="7" name="Picture 6" descr="A graph with blue squares&#10;&#10;AI-generated content may be incorrect.">
+            <a:extLst>
+              <a:ext uri="{FF2B5EF4-FFF2-40B4-BE49-F238E27FC236}">
+                <a16:creationId xmlns:a16="http://schemas.microsoft.com/office/drawing/2014/main" id="{02B94D5D-B7BB-D40E-8809-F9F1AEA999FA}"/>
+              </a:ext>
+            </a:extLst>
+          </p:cNvPr>
+          <p:cNvPicPr>
+            <a:picLocks noChangeAspect="1"/>
+          </p:cNvPicPr>
+          <p:nvPr/>
+        </p:nvPicPr>
+        <p:blipFill>
+          <a:blip r:embed="rId2" cstate="print">
+            <a:extLst>
+              <a:ext uri="{28A0092B-C50C-407E-A947-70E740481C1C}">
+                <a14:useLocalDpi xmlns:a14="http://schemas.microsoft.com/office/drawing/2010/main" val="0"/>
+              </a:ext>
+            </a:extLst>
+          </a:blip>
+          <a:stretch>
+            <a:fillRect/>
+          </a:stretch>
+        </p:blipFill>
+        <p:spPr>
+          <a:xfrm>
+            <a:off x="1764623" y="180468"/>
+            <a:ext cx="8628095" cy="5392559"/>
+          </a:xfrm>
+          <a:prstGeom prst="rect">
+            <a:avLst/>
+          </a:prstGeom>
+        </p:spPr>
+      </p:pic>
+    </p:spTree>
+    <p:extLst>
+      <p:ext uri="{BB962C8B-B14F-4D97-AF65-F5344CB8AC3E}">
+        <p14:creationId xmlns:p14="http://schemas.microsoft.com/office/powerpoint/2010/main" val="602911634"/>
+      </p:ext>
+    </p:extLst>
+  </p:cSld>
+  <p:clrMapOvr>
+    <a:masterClrMapping/>
+  </p:clrMapOvr>
+  <p:transition spd="med"/>
+</p:sld>
+</file>
+
+<file path=ppt/slides/slide28.xml><?xml version="1.0" encoding="utf-8"?>
+<p:sld xmlns:a="http://schemas.openxmlformats.org/drawingml/2006/main" xmlns:r="http://schemas.openxmlformats.org/officeDocument/2006/relationships" xmlns:p="http://schemas.openxmlformats.org/presentationml/2006/main">
+  <p:cSld>
+    <p:spTree>
+      <p:nvGrpSpPr>
+        <p:cNvPr id="1" name=""/>
+        <p:cNvGrpSpPr/>
+        <p:nvPr/>
+      </p:nvGrpSpPr>
+      <p:grpSpPr>
+        <a:xfrm>
+          <a:off x="0" y="0"/>
+          <a:ext cx="0" cy="0"/>
+          <a:chOff x="0" y="0"/>
+          <a:chExt cx="0" cy="0"/>
+        </a:xfrm>
+      </p:grpSpPr>
+      <p:pic>
+        <p:nvPicPr>
+          <p:cNvPr id="5" name="Picture 4" descr="A graph with blue dots&#10;&#10;AI-generated content may be incorrect.">
+            <a:extLst>
+              <a:ext uri="{FF2B5EF4-FFF2-40B4-BE49-F238E27FC236}">
+                <a16:creationId xmlns:a16="http://schemas.microsoft.com/office/drawing/2014/main" id="{EEDF9C6A-54AD-1507-1F6F-C655B67BE003}"/>
+              </a:ext>
+            </a:extLst>
+          </p:cNvPr>
+          <p:cNvPicPr>
+            <a:picLocks noChangeAspect="1"/>
+          </p:cNvPicPr>
+          <p:nvPr/>
+        </p:nvPicPr>
+        <p:blipFill>
+          <a:blip r:embed="rId2" cstate="print">
+            <a:extLst>
+              <a:ext uri="{28A0092B-C50C-407E-A947-70E740481C1C}">
+                <a14:useLocalDpi xmlns:a14="http://schemas.microsoft.com/office/drawing/2010/main" val="0"/>
+              </a:ext>
+            </a:extLst>
+          </a:blip>
+          <a:stretch>
+            <a:fillRect/>
+          </a:stretch>
+        </p:blipFill>
+        <p:spPr>
+          <a:xfrm>
+            <a:off x="1986005" y="449976"/>
+            <a:ext cx="8621035" cy="5388146"/>
+          </a:xfrm>
+          <a:prstGeom prst="rect">
+            <a:avLst/>
+          </a:prstGeom>
+        </p:spPr>
+      </p:pic>
+    </p:spTree>
+    <p:extLst>
+      <p:ext uri="{BB962C8B-B14F-4D97-AF65-F5344CB8AC3E}">
+        <p14:creationId xmlns:p14="http://schemas.microsoft.com/office/powerpoint/2010/main" val="634079464"/>
+      </p:ext>
+    </p:extLst>
+  </p:cSld>
+  <p:clrMapOvr>
+    <a:masterClrMapping/>
+  </p:clrMapOvr>
+  <p:transition spd="med"/>
+</p:sld>
+</file>
+
+<file path=ppt/slides/slide29.xml><?xml version="1.0" encoding="utf-8"?>
+<p:sld xmlns:a="http://schemas.openxmlformats.org/drawingml/2006/main" xmlns:r="http://schemas.openxmlformats.org/officeDocument/2006/relationships" xmlns:p="http://schemas.openxmlformats.org/presentationml/2006/main">
+  <p:cSld>
+    <p:spTree>
+      <p:nvGrpSpPr>
+        <p:cNvPr id="1" name="">
+          <a:extLst>
+            <a:ext uri="{FF2B5EF4-FFF2-40B4-BE49-F238E27FC236}">
+              <a16:creationId xmlns:a16="http://schemas.microsoft.com/office/drawing/2014/main" id="{A3B30781-386F-FB29-2D6C-BB70F6BE43CE}"/>
+            </a:ext>
+          </a:extLst>
+        </p:cNvPr>
+        <p:cNvGrpSpPr/>
+        <p:nvPr/>
+      </p:nvGrpSpPr>
+      <p:grpSpPr>
+        <a:xfrm>
+          <a:off x="0" y="0"/>
+          <a:ext cx="0" cy="0"/>
+          <a:chOff x="0" y="0"/>
+          <a:chExt cx="0" cy="0"/>
+        </a:xfrm>
+      </p:grpSpPr>
+      <p:sp>
+        <p:nvSpPr>
+          <p:cNvPr id="146" name="Title 1">
+            <a:extLst>
+              <a:ext uri="{FF2B5EF4-FFF2-40B4-BE49-F238E27FC236}">
+                <a16:creationId xmlns:a16="http://schemas.microsoft.com/office/drawing/2014/main" id="{C535E676-3B31-7A9B-2ABC-5489236B034C}"/>
+              </a:ext>
+            </a:extLst>
+          </p:cNvPr>
+          <p:cNvSpPr txBox="1">
+            <a:spLocks noGrp="1"/>
+          </p:cNvSpPr>
+          <p:nvPr>
+            <p:ph type="title"/>
+          </p:nvPr>
+        </p:nvSpPr>
+        <p:spPr>
+          <a:prstGeom prst="rect">
+            <a:avLst/>
+          </a:prstGeom>
+        </p:spPr>
+        <p:txBody>
+          <a:bodyPr/>
+          <a:lstStyle>
+            <a:lvl1pPr algn="ctr"/>
+          </a:lstStyle>
+          <a:p>
+            <a:r>
+              <a:rPr dirty="0"/>
+              <a:t>Takeaway #</a:t>
+            </a:r>
+            <a:r>
+              <a:rPr lang="en-US" dirty="0"/>
+              <a:t>6</a:t>
+            </a:r>
+            <a:endParaRPr dirty="0"/>
+          </a:p>
+        </p:txBody>
+      </p:sp>
+      <p:sp>
+        <p:nvSpPr>
+          <p:cNvPr id="147" name="Content Placeholder 2">
+            <a:extLst>
+              <a:ext uri="{FF2B5EF4-FFF2-40B4-BE49-F238E27FC236}">
+                <a16:creationId xmlns:a16="http://schemas.microsoft.com/office/drawing/2014/main" id="{FEA798CC-3EC1-BD3E-8E50-9683E42A8D43}"/>
+              </a:ext>
+            </a:extLst>
+          </p:cNvPr>
+          <p:cNvSpPr txBox="1">
+            <a:spLocks noGrp="1"/>
+          </p:cNvSpPr>
+          <p:nvPr>
+            <p:ph type="body" sz="half" idx="1"/>
+          </p:nvPr>
+        </p:nvSpPr>
+        <p:spPr>
+          <a:xfrm>
+            <a:off x="838200" y="2935966"/>
+            <a:ext cx="10515600" cy="1794654"/>
+          </a:xfrm>
+          <a:prstGeom prst="rect">
+            <a:avLst/>
+          </a:prstGeom>
+        </p:spPr>
+        <p:txBody>
+          <a:bodyPr/>
+          <a:lstStyle>
+            <a:lvl1pPr marL="0" indent="0" algn="ctr" defTabSz="804672">
+              <a:spcBef>
+                <a:spcPts val="800"/>
+              </a:spcBef>
+              <a:buSzTx/>
+              <a:buNone/>
+              <a:defRPr sz="2464"/>
+            </a:lvl1pPr>
+          </a:lstStyle>
+          <a:p>
+            <a:r>
+              <a:rPr lang="en-US" dirty="0"/>
+              <a:t>Teams with a higher EM (efficiency margin, a good way to measure overall team quality) change tend to make it slightly farther in the tournament. Meaning, teams that improve from preseason to the regular season are more likely to win more games in the tournament than teams that remained the same or teams that got worse.</a:t>
+            </a:r>
+            <a:endParaRPr dirty="0"/>
+          </a:p>
+        </p:txBody>
+      </p:sp>
+    </p:spTree>
+    <p:extLst>
+      <p:ext uri="{BB962C8B-B14F-4D97-AF65-F5344CB8AC3E}">
+        <p14:creationId xmlns:p14="http://schemas.microsoft.com/office/powerpoint/2010/main" val="2179284522"/>
+      </p:ext>
+    </p:extLst>
+  </p:cSld>
+  <p:clrMapOvr>
+    <a:masterClrMapping/>
+  </p:clrMapOvr>
+  <mc:AlternateContent xmlns:mc="http://schemas.openxmlformats.org/markup-compatibility/2006" xmlns:p14="http://schemas.microsoft.com/office/powerpoint/2010/main">
+    <mc:Choice Requires="p14">
+      <p:transition p14:dur="0">
+        <p:dissolve/>
+      </p:transition>
+    </mc:Choice>
+    <mc:Fallback xmlns:a14="http://schemas.microsoft.com/office/drawing/2010/main" xmlns:m="http://schemas.openxmlformats.org/officeDocument/2006/math" xmlns="">
       <p:transition spd="fast">
         <p:fade/>
       </p:transition>
@@ -3823,7 +4665,7 @@
 </file>
 
 <file path=ppt/slides/slide3.xml><?xml version="1.0" encoding="utf-8"?>
-<p:sld xmlns:a="http://schemas.openxmlformats.org/drawingml/2006/main" xmlns:r="http://schemas.openxmlformats.org/officeDocument/2006/relationships" xmlns:p="http://schemas.openxmlformats.org/presentationml/2006/main" xmlns:m="http://schemas.openxmlformats.org/officeDocument/2006/math" xmlns:a14="http://schemas.microsoft.com/office/drawing/2010/main" showMasterSp="1" showMasterPhAnim="1">
+<p:sld xmlns:a="http://schemas.openxmlformats.org/drawingml/2006/main" xmlns:r="http://schemas.openxmlformats.org/officeDocument/2006/relationships" xmlns:p="http://schemas.openxmlformats.org/presentationml/2006/main">
   <p:cSld>
     <p:spTree>
       <p:nvGrpSpPr>
@@ -3842,7 +4684,9 @@
       <p:sp>
         <p:nvSpPr>
           <p:cNvPr id="100" name="Title 1"/>
-          <p:cNvSpPr txBox="1"/>
+          <p:cNvSpPr txBox="1">
+            <a:spLocks noGrp="1"/>
+          </p:cNvSpPr>
           <p:nvPr>
             <p:ph type="title"/>
           </p:nvPr>
@@ -3856,7 +4700,6 @@
           <a:bodyPr/>
           <a:lstStyle/>
           <a:p>
-            <a:pPr/>
             <a:r>
               <a:t>What’s The Issue?</a:t>
             </a:r>
@@ -3866,7 +4709,9 @@
       <p:sp>
         <p:nvSpPr>
           <p:cNvPr id="101" name="Content Placeholder 2"/>
-          <p:cNvSpPr txBox="1"/>
+          <p:cNvSpPr txBox="1">
+            <a:spLocks noGrp="1"/>
+          </p:cNvSpPr>
           <p:nvPr>
             <p:ph type="body" idx="1"/>
           </p:nvPr>
@@ -3880,15 +4725,14 @@
           <a:bodyPr/>
           <a:lstStyle/>
           <a:p>
-            <a:pPr/>
             <a:r>
               <a:t>Variance! The best teams DO NOT always win, and when there are 64 teams to pick from, the results eventually will ALWAYS stray from the mean results of past tournaments</a:t>
             </a:r>
             <a:br/>
             <a:br/>
-          </a:p>
-          <a:p>
-            <a:pPr/>
+            <a:endParaRPr/>
+          </a:p>
+          <a:p>
             <a:r>
               <a:t>Traveling, having an off day, mental toughness are all variables that cannot be inputted into an algorithm, so next to impossible to predict accurately</a:t>
             </a:r>
@@ -3900,12 +4744,353 @@
   <p:clrMapOvr>
     <a:masterClrMapping/>
   </p:clrMapOvr>
-  <p:transition xmlns:p14="http://schemas.microsoft.com/office/powerpoint/2010/main" spd="med" advClick="1"/>
+  <p:transition spd="med"/>
+</p:sld>
+</file>
+
+<file path=ppt/slides/slide30.xml><?xml version="1.0" encoding="utf-8"?>
+<p:sld xmlns:a="http://schemas.openxmlformats.org/drawingml/2006/main" xmlns:r="http://schemas.openxmlformats.org/officeDocument/2006/relationships" xmlns:p="http://schemas.openxmlformats.org/presentationml/2006/main">
+  <p:cSld>
+    <p:spTree>
+      <p:nvGrpSpPr>
+        <p:cNvPr id="1" name="">
+          <a:extLst>
+            <a:ext uri="{FF2B5EF4-FFF2-40B4-BE49-F238E27FC236}">
+              <a16:creationId xmlns:a16="http://schemas.microsoft.com/office/drawing/2014/main" id="{0A3E9828-4341-FEB5-37A6-0E6E7F0DF700}"/>
+            </a:ext>
+          </a:extLst>
+        </p:cNvPr>
+        <p:cNvGrpSpPr/>
+        <p:nvPr/>
+      </p:nvGrpSpPr>
+      <p:grpSpPr>
+        <a:xfrm>
+          <a:off x="0" y="0"/>
+          <a:ext cx="0" cy="0"/>
+          <a:chOff x="0" y="0"/>
+          <a:chExt cx="0" cy="0"/>
+        </a:xfrm>
+      </p:grpSpPr>
+      <p:sp>
+        <p:nvSpPr>
+          <p:cNvPr id="139" name="Key 4: Coaching">
+            <a:extLst>
+              <a:ext uri="{FF2B5EF4-FFF2-40B4-BE49-F238E27FC236}">
+                <a16:creationId xmlns:a16="http://schemas.microsoft.com/office/drawing/2014/main" id="{00C218D9-4CD9-3447-185C-8B2646FF141C}"/>
+              </a:ext>
+            </a:extLst>
+          </p:cNvPr>
+          <p:cNvSpPr txBox="1">
+            <a:spLocks noGrp="1"/>
+          </p:cNvSpPr>
+          <p:nvPr>
+            <p:ph type="ctrTitle"/>
+          </p:nvPr>
+        </p:nvSpPr>
+        <p:spPr>
+          <a:prstGeom prst="rect">
+            <a:avLst/>
+          </a:prstGeom>
+        </p:spPr>
+        <p:txBody>
+          <a:bodyPr/>
+          <a:lstStyle/>
+          <a:p>
+            <a:r>
+              <a:rPr dirty="0"/>
+              <a:t>Key </a:t>
+            </a:r>
+            <a:r>
+              <a:rPr lang="en-US" dirty="0"/>
+              <a:t>7: Pace of Play</a:t>
+            </a:r>
+            <a:endParaRPr dirty="0"/>
+          </a:p>
+        </p:txBody>
+      </p:sp>
+    </p:spTree>
+    <p:extLst>
+      <p:ext uri="{BB962C8B-B14F-4D97-AF65-F5344CB8AC3E}">
+        <p14:creationId xmlns:p14="http://schemas.microsoft.com/office/powerpoint/2010/main" val="2513697854"/>
+      </p:ext>
+    </p:extLst>
+  </p:cSld>
+  <p:clrMapOvr>
+    <a:masterClrMapping/>
+  </p:clrMapOvr>
+  <p:transition spd="med"/>
+</p:sld>
+</file>
+
+<file path=ppt/slides/slide31.xml><?xml version="1.0" encoding="utf-8"?>
+<p:sld xmlns:a="http://schemas.openxmlformats.org/drawingml/2006/main" xmlns:r="http://schemas.openxmlformats.org/officeDocument/2006/relationships" xmlns:p="http://schemas.openxmlformats.org/presentationml/2006/main">
+  <p:cSld>
+    <p:spTree>
+      <p:nvGrpSpPr>
+        <p:cNvPr id="1" name=""/>
+        <p:cNvGrpSpPr/>
+        <p:nvPr/>
+      </p:nvGrpSpPr>
+      <p:grpSpPr>
+        <a:xfrm>
+          <a:off x="0" y="0"/>
+          <a:ext cx="0" cy="0"/>
+          <a:chOff x="0" y="0"/>
+          <a:chExt cx="0" cy="0"/>
+        </a:xfrm>
+      </p:grpSpPr>
+      <p:pic>
+        <p:nvPicPr>
+          <p:cNvPr id="7" name="Picture 6" descr="A grid with blue dots&#10;&#10;AI-generated content may be incorrect.">
+            <a:extLst>
+              <a:ext uri="{FF2B5EF4-FFF2-40B4-BE49-F238E27FC236}">
+                <a16:creationId xmlns:a16="http://schemas.microsoft.com/office/drawing/2014/main" id="{0F4F5CFF-710B-BFF2-268E-9394C9693DE1}"/>
+              </a:ext>
+            </a:extLst>
+          </p:cNvPr>
+          <p:cNvPicPr>
+            <a:picLocks noChangeAspect="1"/>
+          </p:cNvPicPr>
+          <p:nvPr/>
+        </p:nvPicPr>
+        <p:blipFill>
+          <a:blip r:embed="rId2" cstate="print">
+            <a:extLst>
+              <a:ext uri="{28A0092B-C50C-407E-A947-70E740481C1C}">
+                <a14:useLocalDpi xmlns:a14="http://schemas.microsoft.com/office/drawing/2010/main" val="0"/>
+              </a:ext>
+            </a:extLst>
+          </a:blip>
+          <a:stretch>
+            <a:fillRect/>
+          </a:stretch>
+        </p:blipFill>
+        <p:spPr>
+          <a:xfrm>
+            <a:off x="1783874" y="199719"/>
+            <a:ext cx="8890543" cy="5556589"/>
+          </a:xfrm>
+          <a:prstGeom prst="rect">
+            <a:avLst/>
+          </a:prstGeom>
+        </p:spPr>
+      </p:pic>
+    </p:spTree>
+    <p:extLst>
+      <p:ext uri="{BB962C8B-B14F-4D97-AF65-F5344CB8AC3E}">
+        <p14:creationId xmlns:p14="http://schemas.microsoft.com/office/powerpoint/2010/main" val="3803877435"/>
+      </p:ext>
+    </p:extLst>
+  </p:cSld>
+  <p:clrMapOvr>
+    <a:masterClrMapping/>
+  </p:clrMapOvr>
+  <p:transition spd="med"/>
+</p:sld>
+</file>
+
+<file path=ppt/slides/slide32.xml><?xml version="1.0" encoding="utf-8"?>
+<p:sld xmlns:a="http://schemas.openxmlformats.org/drawingml/2006/main" xmlns:r="http://schemas.openxmlformats.org/officeDocument/2006/relationships" xmlns:p="http://schemas.openxmlformats.org/presentationml/2006/main">
+  <p:cSld>
+    <p:spTree>
+      <p:nvGrpSpPr>
+        <p:cNvPr id="1" name=""/>
+        <p:cNvGrpSpPr/>
+        <p:nvPr/>
+      </p:nvGrpSpPr>
+      <p:grpSpPr>
+        <a:xfrm>
+          <a:off x="0" y="0"/>
+          <a:ext cx="0" cy="0"/>
+          <a:chOff x="0" y="0"/>
+          <a:chExt cx="0" cy="0"/>
+        </a:xfrm>
+      </p:grpSpPr>
+      <p:pic>
+        <p:nvPicPr>
+          <p:cNvPr id="5" name="Picture 4" descr="A grid with blue dots&#10;&#10;AI-generated content may be incorrect.">
+            <a:extLst>
+              <a:ext uri="{FF2B5EF4-FFF2-40B4-BE49-F238E27FC236}">
+                <a16:creationId xmlns:a16="http://schemas.microsoft.com/office/drawing/2014/main" id="{540B6E12-7115-DC61-12C6-E79C74160095}"/>
+              </a:ext>
+            </a:extLst>
+          </p:cNvPr>
+          <p:cNvPicPr>
+            <a:picLocks noChangeAspect="1"/>
+          </p:cNvPicPr>
+          <p:nvPr/>
+        </p:nvPicPr>
+        <p:blipFill>
+          <a:blip r:embed="rId2" cstate="print">
+            <a:extLst>
+              <a:ext uri="{28A0092B-C50C-407E-A947-70E740481C1C}">
+                <a14:useLocalDpi xmlns:a14="http://schemas.microsoft.com/office/drawing/2010/main" val="0"/>
+              </a:ext>
+            </a:extLst>
+          </a:blip>
+          <a:stretch>
+            <a:fillRect/>
+          </a:stretch>
+        </p:blipFill>
+        <p:spPr>
+          <a:xfrm>
+            <a:off x="1754997" y="372974"/>
+            <a:ext cx="8628095" cy="5392559"/>
+          </a:xfrm>
+          <a:prstGeom prst="rect">
+            <a:avLst/>
+          </a:prstGeom>
+        </p:spPr>
+      </p:pic>
+    </p:spTree>
+    <p:extLst>
+      <p:ext uri="{BB962C8B-B14F-4D97-AF65-F5344CB8AC3E}">
+        <p14:creationId xmlns:p14="http://schemas.microsoft.com/office/powerpoint/2010/main" val="228996435"/>
+      </p:ext>
+    </p:extLst>
+  </p:cSld>
+  <p:clrMapOvr>
+    <a:masterClrMapping/>
+  </p:clrMapOvr>
+  <p:transition spd="med"/>
+</p:sld>
+</file>
+
+<file path=ppt/slides/slide33.xml><?xml version="1.0" encoding="utf-8"?>
+<p:sld xmlns:a="http://schemas.openxmlformats.org/drawingml/2006/main" xmlns:r="http://schemas.openxmlformats.org/officeDocument/2006/relationships" xmlns:p="http://schemas.openxmlformats.org/presentationml/2006/main">
+  <p:cSld>
+    <p:spTree>
+      <p:nvGrpSpPr>
+        <p:cNvPr id="1" name="">
+          <a:extLst>
+            <a:ext uri="{FF2B5EF4-FFF2-40B4-BE49-F238E27FC236}">
+              <a16:creationId xmlns:a16="http://schemas.microsoft.com/office/drawing/2014/main" id="{13131DA7-4718-80CE-0584-8E5881F6743D}"/>
+            </a:ext>
+          </a:extLst>
+        </p:cNvPr>
+        <p:cNvGrpSpPr/>
+        <p:nvPr/>
+      </p:nvGrpSpPr>
+      <p:grpSpPr>
+        <a:xfrm>
+          <a:off x="0" y="0"/>
+          <a:ext cx="0" cy="0"/>
+          <a:chOff x="0" y="0"/>
+          <a:chExt cx="0" cy="0"/>
+        </a:xfrm>
+      </p:grpSpPr>
+      <p:sp>
+        <p:nvSpPr>
+          <p:cNvPr id="146" name="Title 1">
+            <a:extLst>
+              <a:ext uri="{FF2B5EF4-FFF2-40B4-BE49-F238E27FC236}">
+                <a16:creationId xmlns:a16="http://schemas.microsoft.com/office/drawing/2014/main" id="{3A126F01-D9AC-7737-CEEC-E6EA1AC1F4F6}"/>
+              </a:ext>
+            </a:extLst>
+          </p:cNvPr>
+          <p:cNvSpPr txBox="1">
+            <a:spLocks noGrp="1"/>
+          </p:cNvSpPr>
+          <p:nvPr>
+            <p:ph type="title"/>
+          </p:nvPr>
+        </p:nvSpPr>
+        <p:spPr>
+          <a:prstGeom prst="rect">
+            <a:avLst/>
+          </a:prstGeom>
+        </p:spPr>
+        <p:txBody>
+          <a:bodyPr/>
+          <a:lstStyle>
+            <a:lvl1pPr algn="ctr"/>
+          </a:lstStyle>
+          <a:p>
+            <a:r>
+              <a:rPr dirty="0"/>
+              <a:t>Takeaway #</a:t>
+            </a:r>
+            <a:r>
+              <a:rPr lang="en-US" dirty="0"/>
+              <a:t>7</a:t>
+            </a:r>
+            <a:endParaRPr dirty="0"/>
+          </a:p>
+        </p:txBody>
+      </p:sp>
+      <p:sp>
+        <p:nvSpPr>
+          <p:cNvPr id="147" name="Content Placeholder 2">
+            <a:extLst>
+              <a:ext uri="{FF2B5EF4-FFF2-40B4-BE49-F238E27FC236}">
+                <a16:creationId xmlns:a16="http://schemas.microsoft.com/office/drawing/2014/main" id="{AB0826F6-EF7E-C28E-4F91-57F3302F23AB}"/>
+              </a:ext>
+            </a:extLst>
+          </p:cNvPr>
+          <p:cNvSpPr txBox="1">
+            <a:spLocks noGrp="1"/>
+          </p:cNvSpPr>
+          <p:nvPr>
+            <p:ph type="body" sz="half" idx="1"/>
+          </p:nvPr>
+        </p:nvSpPr>
+        <p:spPr>
+          <a:xfrm>
+            <a:off x="838200" y="2935966"/>
+            <a:ext cx="10515600" cy="1794654"/>
+          </a:xfrm>
+          <a:prstGeom prst="rect">
+            <a:avLst/>
+          </a:prstGeom>
+        </p:spPr>
+        <p:txBody>
+          <a:bodyPr/>
+          <a:lstStyle>
+            <a:lvl1pPr marL="0" indent="0" algn="ctr" defTabSz="804672">
+              <a:spcBef>
+                <a:spcPts val="800"/>
+              </a:spcBef>
+              <a:buSzTx/>
+              <a:buNone/>
+              <a:defRPr sz="2464"/>
+            </a:lvl1pPr>
+          </a:lstStyle>
+          <a:p>
+            <a:r>
+              <a:rPr lang="en-US" dirty="0"/>
+              <a:t>There is seemingly no correlation between a team’s pace of play and how far they make it into the tournament.</a:t>
+            </a:r>
+            <a:endParaRPr dirty="0"/>
+          </a:p>
+        </p:txBody>
+      </p:sp>
+    </p:spTree>
+    <p:extLst>
+      <p:ext uri="{BB962C8B-B14F-4D97-AF65-F5344CB8AC3E}">
+        <p14:creationId xmlns:p14="http://schemas.microsoft.com/office/powerpoint/2010/main" val="116064623"/>
+      </p:ext>
+    </p:extLst>
+  </p:cSld>
+  <p:clrMapOvr>
+    <a:masterClrMapping/>
+  </p:clrMapOvr>
+  <mc:AlternateContent xmlns:mc="http://schemas.openxmlformats.org/markup-compatibility/2006" xmlns:p14="http://schemas.microsoft.com/office/powerpoint/2010/main">
+    <mc:Choice Requires="p14">
+      <p:transition p14:dur="0">
+        <p:dissolve/>
+      </p:transition>
+    </mc:Choice>
+    <mc:Fallback xmlns:a14="http://schemas.microsoft.com/office/drawing/2010/main" xmlns:m="http://schemas.openxmlformats.org/officeDocument/2006/math" xmlns="">
+      <p:transition spd="fast">
+        <p:fade/>
+      </p:transition>
+    </mc:Fallback>
+  </mc:AlternateContent>
 </p:sld>
 </file>
 
 <file path=ppt/slides/slide4.xml><?xml version="1.0" encoding="utf-8"?>
-<p:sld xmlns:a="http://schemas.openxmlformats.org/drawingml/2006/main" xmlns:r="http://schemas.openxmlformats.org/officeDocument/2006/relationships" xmlns:p="http://schemas.openxmlformats.org/presentationml/2006/main" xmlns:m="http://schemas.openxmlformats.org/officeDocument/2006/math" xmlns:a14="http://schemas.microsoft.com/office/drawing/2010/main" showMasterSp="1" showMasterPhAnim="1">
+<p:sld xmlns:a="http://schemas.openxmlformats.org/drawingml/2006/main" xmlns:r="http://schemas.openxmlformats.org/officeDocument/2006/relationships" xmlns:p="http://schemas.openxmlformats.org/presentationml/2006/main">
   <p:cSld>
     <p:spTree>
       <p:nvGrpSpPr>
@@ -3924,7 +5109,9 @@
       <p:sp>
         <p:nvSpPr>
           <p:cNvPr id="103" name="Title 1"/>
-          <p:cNvSpPr txBox="1"/>
+          <p:cNvSpPr txBox="1">
+            <a:spLocks noGrp="1"/>
+          </p:cNvSpPr>
           <p:nvPr>
             <p:ph type="title"/>
           </p:nvPr>
@@ -3938,7 +5125,6 @@
           <a:bodyPr/>
           <a:lstStyle/>
           <a:p>
-            <a:pPr/>
             <a:r>
               <a:t>Goal: Show How To Maximize Your Bracket</a:t>
             </a:r>
@@ -3948,7 +5134,9 @@
       <p:sp>
         <p:nvSpPr>
           <p:cNvPr id="104" name="Content Placeholder 2"/>
-          <p:cNvSpPr txBox="1"/>
+          <p:cNvSpPr txBox="1">
+            <a:spLocks noGrp="1"/>
+          </p:cNvSpPr>
           <p:nvPr>
             <p:ph type="body" idx="1"/>
           </p:nvPr>
@@ -3962,15 +5150,14 @@
           <a:bodyPr/>
           <a:lstStyle/>
           <a:p>
-            <a:pPr/>
             <a:r>
               <a:t>Even though you almost certainly won’t get a perfect bracket, we can highlight trends and details to help you place in the top percentile of brackets, each year</a:t>
             </a:r>
             <a:br/>
             <a:br/>
-          </a:p>
-          <a:p>
-            <a:pPr/>
+            <a:endParaRPr/>
+          </a:p>
+          <a:p>
             <a:r>
               <a:t>Are three-point shooting teams better than those who don’t take many? What does long traveling do to team performance? All will be highlighted in this presentation!</a:t>
             </a:r>
@@ -3982,12 +5169,12 @@
   <p:clrMapOvr>
     <a:masterClrMapping/>
   </p:clrMapOvr>
-  <p:transition xmlns:p14="http://schemas.microsoft.com/office/powerpoint/2010/main" spd="med" advClick="1"/>
+  <p:transition spd="med"/>
 </p:sld>
 </file>
 
 <file path=ppt/slides/slide5.xml><?xml version="1.0" encoding="utf-8"?>
-<p:sld xmlns:a="http://schemas.openxmlformats.org/drawingml/2006/main" xmlns:r="http://schemas.openxmlformats.org/officeDocument/2006/relationships" xmlns:p="http://schemas.openxmlformats.org/presentationml/2006/main" xmlns:m="http://schemas.openxmlformats.org/officeDocument/2006/math" xmlns:a14="http://schemas.microsoft.com/office/drawing/2010/main" showMasterSp="1" showMasterPhAnim="1">
+<p:sld xmlns:a="http://schemas.openxmlformats.org/drawingml/2006/main" xmlns:r="http://schemas.openxmlformats.org/officeDocument/2006/relationships" xmlns:p="http://schemas.openxmlformats.org/presentationml/2006/main">
   <p:cSld>
     <p:spTree>
       <p:nvGrpSpPr>
@@ -4006,7 +5193,9 @@
       <p:sp>
         <p:nvSpPr>
           <p:cNvPr id="106" name="Title 1"/>
-          <p:cNvSpPr txBox="1"/>
+          <p:cNvSpPr txBox="1">
+            <a:spLocks noGrp="1"/>
+          </p:cNvSpPr>
           <p:nvPr>
             <p:ph type="title"/>
           </p:nvPr>
@@ -4024,7 +5213,6 @@
           <a:bodyPr/>
           <a:lstStyle/>
           <a:p>
-            <a:pPr/>
             <a:r>
               <a:t>Format: ESPN Tournament Challenge</a:t>
             </a:r>
@@ -4034,7 +5222,9 @@
       <p:sp>
         <p:nvSpPr>
           <p:cNvPr id="107" name="Content Placeholder 2"/>
-          <p:cNvSpPr txBox="1"/>
+          <p:cNvSpPr txBox="1">
+            <a:spLocks noGrp="1"/>
+          </p:cNvSpPr>
           <p:nvPr>
             <p:ph type="body" idx="1"/>
           </p:nvPr>
@@ -4052,15 +5242,14 @@
           <a:bodyPr/>
           <a:lstStyle/>
           <a:p>
-            <a:pPr/>
             <a:r>
               <a:t>The most popular application for people to submit their brackets onto is the ESPN Tournament Challenge (or TC) app</a:t>
             </a:r>
             <a:br/>
             <a:br/>
-          </a:p>
-          <a:p>
-            <a:pPr/>
+            <a:endParaRPr/>
+          </a:p>
+          <a:p>
             <a:r>
               <a:t>You can win lots of money by winning ‘bracket pools’ you enter into, or claim lots of bragging rights from your friends by understanding how to put together a good bracket!</a:t>
             </a:r>
@@ -4072,12 +5261,12 @@
   <p:clrMapOvr>
     <a:masterClrMapping/>
   </p:clrMapOvr>
-  <p:transition xmlns:p14="http://schemas.microsoft.com/office/powerpoint/2010/main" spd="med" advClick="1"/>
+  <p:transition spd="med"/>
 </p:sld>
 </file>
 
 <file path=ppt/slides/slide6.xml><?xml version="1.0" encoding="utf-8"?>
-<p:sld xmlns:a="http://schemas.openxmlformats.org/drawingml/2006/main" xmlns:r="http://schemas.openxmlformats.org/officeDocument/2006/relationships" xmlns:p="http://schemas.openxmlformats.org/presentationml/2006/main" xmlns:m="http://schemas.openxmlformats.org/officeDocument/2006/math" xmlns:a14="http://schemas.microsoft.com/office/drawing/2010/main" showMasterSp="1" showMasterPhAnim="1">
+<p:sld xmlns:a="http://schemas.openxmlformats.org/drawingml/2006/main" xmlns:r="http://schemas.openxmlformats.org/officeDocument/2006/relationships" xmlns:p="http://schemas.openxmlformats.org/presentationml/2006/main">
   <p:cSld>
     <p:spTree>
       <p:nvGrpSpPr>
@@ -4096,7 +5285,9 @@
       <p:sp>
         <p:nvSpPr>
           <p:cNvPr id="109" name="Title 1"/>
-          <p:cNvSpPr txBox="1"/>
+          <p:cNvSpPr txBox="1">
+            <a:spLocks noGrp="1"/>
+          </p:cNvSpPr>
           <p:nvPr>
             <p:ph type="title"/>
           </p:nvPr>
@@ -4110,7 +5301,6 @@
           <a:bodyPr/>
           <a:lstStyle/>
           <a:p>
-            <a:pPr/>
             <a:r>
               <a:t>How It Works</a:t>
             </a:r>
@@ -4120,7 +5310,9 @@
       <p:sp>
         <p:nvSpPr>
           <p:cNvPr id="110" name="Content Placeholder 2"/>
-          <p:cNvSpPr txBox="1"/>
+          <p:cNvSpPr txBox="1">
+            <a:spLocks noGrp="1"/>
+          </p:cNvSpPr>
           <p:nvPr>
             <p:ph type="body" idx="1"/>
           </p:nvPr>
@@ -4134,23 +5326,22 @@
           <a:bodyPr/>
           <a:lstStyle/>
           <a:p>
-            <a:pPr/>
             <a:r>
               <a:t>Each person can submit up to 10 brackets, with those brackets being able to enter an unlimited amount of groups</a:t>
             </a:r>
             <a:br/>
             <a:br/>
-          </a:p>
-          <a:p>
-            <a:pPr/>
+            <a:endParaRPr/>
+          </a:p>
+          <a:p>
             <a:r>
               <a:t>Given a percentile of where your bracket stands amongst everyone else</a:t>
             </a:r>
             <a:br/>
             <a:br/>
-          </a:p>
-          <a:p>
-            <a:pPr/>
+            <a:endParaRPr/>
+          </a:p>
+          <a:p>
             <a:r>
               <a:t>Typically, if you are within the ~90</a:t>
             </a:r>
@@ -4169,12 +5360,12 @@
   <p:clrMapOvr>
     <a:masterClrMapping/>
   </p:clrMapOvr>
-  <p:transition xmlns:p14="http://schemas.microsoft.com/office/powerpoint/2010/main" spd="med" advClick="1"/>
+  <p:transition spd="med"/>
 </p:sld>
 </file>
 
 <file path=ppt/slides/slide7.xml><?xml version="1.0" encoding="utf-8"?>
-<p:sld xmlns:a="http://schemas.openxmlformats.org/drawingml/2006/main" xmlns:r="http://schemas.openxmlformats.org/officeDocument/2006/relationships" xmlns:p="http://schemas.openxmlformats.org/presentationml/2006/main" xmlns:m="http://schemas.openxmlformats.org/officeDocument/2006/math" xmlns:a14="http://schemas.microsoft.com/office/drawing/2010/main" showMasterSp="1" showMasterPhAnim="1">
+<p:sld xmlns:a="http://schemas.openxmlformats.org/drawingml/2006/main" xmlns:r="http://schemas.openxmlformats.org/officeDocument/2006/relationships" xmlns:p="http://schemas.openxmlformats.org/presentationml/2006/main">
   <p:cSld>
     <p:spTree>
       <p:nvGrpSpPr>
@@ -4193,7 +5384,9 @@
       <p:sp>
         <p:nvSpPr>
           <p:cNvPr id="112" name="Title 1"/>
-          <p:cNvSpPr txBox="1"/>
+          <p:cNvSpPr txBox="1">
+            <a:spLocks noGrp="1"/>
+          </p:cNvSpPr>
           <p:nvPr>
             <p:ph type="title"/>
           </p:nvPr>
@@ -4213,7 +5406,6 @@
             <a:lvl1pPr algn="ctr"/>
           </a:lstStyle>
           <a:p>
-            <a:pPr/>
             <a:r>
               <a:t>Key 1: What Seeds Win The Most?</a:t>
             </a:r>
@@ -4225,12 +5417,12 @@
   <p:clrMapOvr>
     <a:masterClrMapping/>
   </p:clrMapOvr>
-  <p:transition xmlns:p14="http://schemas.microsoft.com/office/powerpoint/2010/main" spd="med" advClick="1"/>
+  <p:transition spd="med"/>
 </p:sld>
 </file>
 
 <file path=ppt/slides/slide8.xml><?xml version="1.0" encoding="utf-8"?>
-<p:sld xmlns:a="http://schemas.openxmlformats.org/drawingml/2006/main" xmlns:r="http://schemas.openxmlformats.org/officeDocument/2006/relationships" xmlns:p="http://schemas.openxmlformats.org/presentationml/2006/main" xmlns:m="http://schemas.openxmlformats.org/officeDocument/2006/math" xmlns:a14="http://schemas.microsoft.com/office/drawing/2010/main" showMasterSp="1" showMasterPhAnim="1">
+<p:sld xmlns:a="http://schemas.openxmlformats.org/drawingml/2006/main" xmlns:r="http://schemas.openxmlformats.org/officeDocument/2006/relationships" xmlns:p="http://schemas.openxmlformats.org/presentationml/2006/main">
   <p:cSld>
     <p:spTree>
       <p:nvGrpSpPr>
@@ -4255,9 +5447,7 @@
           <p:nvPr/>
         </p:nvPicPr>
         <p:blipFill>
-          <a:blip r:embed="rId2">
-            <a:extLst/>
-          </a:blip>
+          <a:blip r:embed="rId2"/>
           <a:stretch>
             <a:fillRect/>
           </a:stretch>
@@ -4280,12 +5470,12 @@
   <p:clrMapOvr>
     <a:masterClrMapping/>
   </p:clrMapOvr>
-  <p:transition xmlns:p14="http://schemas.microsoft.com/office/powerpoint/2010/main" spd="med" advClick="1"/>
+  <p:transition spd="med"/>
 </p:sld>
 </file>
 
 <file path=ppt/slides/slide9.xml><?xml version="1.0" encoding="utf-8"?>
-<p:sld xmlns:a="http://schemas.openxmlformats.org/drawingml/2006/main" xmlns:r="http://schemas.openxmlformats.org/officeDocument/2006/relationships" xmlns:p="http://schemas.openxmlformats.org/presentationml/2006/main" xmlns:m="http://schemas.openxmlformats.org/officeDocument/2006/math" xmlns:a14="http://schemas.microsoft.com/office/drawing/2010/main" showMasterSp="1" showMasterPhAnim="1">
+<p:sld xmlns:a="http://schemas.openxmlformats.org/drawingml/2006/main" xmlns:r="http://schemas.openxmlformats.org/officeDocument/2006/relationships" xmlns:p="http://schemas.openxmlformats.org/presentationml/2006/main">
   <p:cSld>
     <p:spTree>
       <p:nvGrpSpPr>
@@ -4304,7 +5494,9 @@
       <p:sp>
         <p:nvSpPr>
           <p:cNvPr id="116" name="Title 1"/>
-          <p:cNvSpPr txBox="1"/>
+          <p:cNvSpPr txBox="1">
+            <a:spLocks noGrp="1"/>
+          </p:cNvSpPr>
           <p:nvPr>
             <p:ph type="title"/>
           </p:nvPr>
@@ -4324,7 +5516,6 @@
             <a:lvl1pPr algn="ctr"/>
           </a:lstStyle>
           <a:p>
-            <a:pPr/>
             <a:r>
               <a:t>Key 2: Who Is the Public Picking?</a:t>
             </a:r>
@@ -4336,12 +5527,12 @@
   <p:clrMapOvr>
     <a:masterClrMapping/>
   </p:clrMapOvr>
-  <p:transition xmlns:p14="http://schemas.microsoft.com/office/powerpoint/2010/main" spd="med" advClick="1"/>
+  <p:transition spd="med"/>
 </p:sld>
 </file>
 
 <file path=ppt/theme/theme1.xml><?xml version="1.0" encoding="utf-8"?>
-<a:theme xmlns:a="http://schemas.openxmlformats.org/drawingml/2006/main" xmlns:r="http://schemas.openxmlformats.org/officeDocument/2006/relationships" name="Office Theme">
+<a:theme xmlns:a="http://schemas.openxmlformats.org/drawingml/2006/main" name="Office Theme">
   <a:themeElements>
     <a:clrScheme name="Office Theme">
       <a:dk1>
@@ -4543,7 +5734,7 @@
         <a:effectLst/>
         <a:sp3d/>
       </a:spPr>
-      <a:bodyPr rot="0" spcFirstLastPara="1" vertOverflow="overflow" horzOverflow="overflow" vert="horz" wrap="square" lIns="45719" tIns="45719" rIns="45719" bIns="45719" numCol="1" spcCol="38100" rtlCol="0" anchor="ctr" upright="0">
+      <a:bodyPr rot="0" spcFirstLastPara="1" vertOverflow="overflow" horzOverflow="overflow" vert="horz" wrap="square" lIns="45719" tIns="45719" rIns="45719" bIns="45719" numCol="1" spcCol="38100" rtlCol="0" anchor="ctr">
         <a:spAutoFit/>
       </a:bodyPr>
       <a:lstStyle>
@@ -4562,7 +5753,7 @@
           <a:buFontTx/>
           <a:buNone/>
           <a:tabLst/>
-          <a:defRPr b="0" baseline="0" cap="none" i="0" spc="0" strike="noStrike" sz="1800" u="none" kumimoji="0" normalizeH="0">
+          <a:defRPr kumimoji="0" sz="1800" b="0" i="0" u="none" strike="noStrike" cap="none" spc="0" normalizeH="0" baseline="0">
             <a:ln>
               <a:noFill/>
             </a:ln>
@@ -4592,7 +5783,7 @@
           <a:buFontTx/>
           <a:buNone/>
           <a:tabLst/>
-          <a:defRPr b="0" baseline="0" cap="none" i="0" spc="0" strike="noStrike" sz="1800" u="none" kumimoji="0" normalizeH="0">
+          <a:defRPr kumimoji="0" sz="1800" b="0" i="0" u="none" strike="noStrike" cap="none" spc="0" normalizeH="0" baseline="0">
             <a:ln>
               <a:noFill/>
             </a:ln>
@@ -4618,7 +5809,7 @@
           <a:buFontTx/>
           <a:buNone/>
           <a:tabLst/>
-          <a:defRPr b="0" baseline="0" cap="none" i="0" spc="0" strike="noStrike" sz="1800" u="none" kumimoji="0" normalizeH="0">
+          <a:defRPr kumimoji="0" sz="1800" b="0" i="0" u="none" strike="noStrike" cap="none" spc="0" normalizeH="0" baseline="0">
             <a:ln>
               <a:noFill/>
             </a:ln>
@@ -4644,7 +5835,7 @@
           <a:buFontTx/>
           <a:buNone/>
           <a:tabLst/>
-          <a:defRPr b="0" baseline="0" cap="none" i="0" spc="0" strike="noStrike" sz="1800" u="none" kumimoji="0" normalizeH="0">
+          <a:defRPr kumimoji="0" sz="1800" b="0" i="0" u="none" strike="noStrike" cap="none" spc="0" normalizeH="0" baseline="0">
             <a:ln>
               <a:noFill/>
             </a:ln>
@@ -4670,7 +5861,7 @@
           <a:buFontTx/>
           <a:buNone/>
           <a:tabLst/>
-          <a:defRPr b="0" baseline="0" cap="none" i="0" spc="0" strike="noStrike" sz="1800" u="none" kumimoji="0" normalizeH="0">
+          <a:defRPr kumimoji="0" sz="1800" b="0" i="0" u="none" strike="noStrike" cap="none" spc="0" normalizeH="0" baseline="0">
             <a:ln>
               <a:noFill/>
             </a:ln>
@@ -4696,7 +5887,7 @@
           <a:buFontTx/>
           <a:buNone/>
           <a:tabLst/>
-          <a:defRPr b="0" baseline="0" cap="none" i="0" spc="0" strike="noStrike" sz="1800" u="none" kumimoji="0" normalizeH="0">
+          <a:defRPr kumimoji="0" sz="1800" b="0" i="0" u="none" strike="noStrike" cap="none" spc="0" normalizeH="0" baseline="0">
             <a:ln>
               <a:noFill/>
             </a:ln>
@@ -4722,7 +5913,7 @@
           <a:buFontTx/>
           <a:buNone/>
           <a:tabLst/>
-          <a:defRPr b="0" baseline="0" cap="none" i="0" spc="0" strike="noStrike" sz="1800" u="none" kumimoji="0" normalizeH="0">
+          <a:defRPr kumimoji="0" sz="1800" b="0" i="0" u="none" strike="noStrike" cap="none" spc="0" normalizeH="0" baseline="0">
             <a:ln>
               <a:noFill/>
             </a:ln>
@@ -4748,7 +5939,7 @@
           <a:buFontTx/>
           <a:buNone/>
           <a:tabLst/>
-          <a:defRPr b="0" baseline="0" cap="none" i="0" spc="0" strike="noStrike" sz="1800" u="none" kumimoji="0" normalizeH="0">
+          <a:defRPr kumimoji="0" sz="1800" b="0" i="0" u="none" strike="noStrike" cap="none" spc="0" normalizeH="0" baseline="0">
             <a:ln>
               <a:noFill/>
             </a:ln>
@@ -4774,7 +5965,7 @@
           <a:buFontTx/>
           <a:buNone/>
           <a:tabLst/>
-          <a:defRPr b="0" baseline="0" cap="none" i="0" spc="0" strike="noStrike" sz="1800" u="none" kumimoji="0" normalizeH="0">
+          <a:defRPr kumimoji="0" sz="1800" b="0" i="0" u="none" strike="noStrike" cap="none" spc="0" normalizeH="0" baseline="0">
             <a:ln>
               <a:noFill/>
             </a:ln>
@@ -4800,7 +5991,7 @@
           <a:buFontTx/>
           <a:buNone/>
           <a:tabLst/>
-          <a:defRPr b="0" baseline="0" cap="none" i="0" spc="0" strike="noStrike" sz="1800" u="none" kumimoji="0" normalizeH="0">
+          <a:defRPr kumimoji="0" sz="1800" b="0" i="0" u="none" strike="noStrike" cap="none" spc="0" normalizeH="0" baseline="0">
             <a:ln>
               <a:noFill/>
             </a:ln>
@@ -4813,9 +6004,15 @@
         </a:lvl9pPr>
       </a:lstStyle>
       <a:style>
-        <a:lnRef idx="0"/>
-        <a:fillRef idx="0"/>
-        <a:effectRef idx="0"/>
+        <a:lnRef idx="0">
+          <a:scrgbClr r="0" g="0" b="0"/>
+        </a:lnRef>
+        <a:fillRef idx="0">
+          <a:scrgbClr r="0" g="0" b="0"/>
+        </a:fillRef>
+        <a:effectRef idx="0">
+          <a:scrgbClr r="0" g="0" b="0"/>
+        </a:effectRef>
         <a:fontRef idx="none"/>
       </a:style>
     </a:spDef>
@@ -4832,7 +6029,7 @@
         <a:effectLst/>
         <a:sp3d/>
       </a:spPr>
-      <a:bodyPr rot="0" spcFirstLastPara="1" vertOverflow="overflow" horzOverflow="overflow" vert="horz" wrap="square" lIns="91439" tIns="45719" rIns="91439" bIns="45719" numCol="1" spcCol="38100" rtlCol="0" anchor="t" upright="0">
+      <a:bodyPr rot="0" spcFirstLastPara="1" vertOverflow="overflow" horzOverflow="overflow" vert="horz" wrap="square" lIns="91439" tIns="45719" rIns="91439" bIns="45719" numCol="1" spcCol="38100" rtlCol="0" anchor="t">
         <a:noAutofit/>
       </a:bodyPr>
       <a:lstStyle>
@@ -4851,7 +6048,7 @@
           <a:buFontTx/>
           <a:buNone/>
           <a:tabLst/>
-          <a:defRPr b="0" baseline="0" cap="none" i="0" spc="0" strike="noStrike" sz="1800" u="none" kumimoji="0" normalizeH="0">
+          <a:defRPr kumimoji="0" sz="1800" b="0" i="0" u="none" strike="noStrike" cap="none" spc="0" normalizeH="0" baseline="0">
             <a:ln>
               <a:noFill/>
             </a:ln>
@@ -4877,7 +6074,7 @@
           <a:buFontTx/>
           <a:buNone/>
           <a:tabLst/>
-          <a:defRPr b="0" baseline="0" cap="none" i="0" spc="0" strike="noStrike" sz="1800" u="none" kumimoji="0" normalizeH="0">
+          <a:defRPr kumimoji="0" sz="1800" b="0" i="0" u="none" strike="noStrike" cap="none" spc="0" normalizeH="0" baseline="0">
             <a:ln>
               <a:noFill/>
             </a:ln>
@@ -4903,7 +6100,7 @@
           <a:buFontTx/>
           <a:buNone/>
           <a:tabLst/>
-          <a:defRPr b="0" baseline="0" cap="none" i="0" spc="0" strike="noStrike" sz="1800" u="none" kumimoji="0" normalizeH="0">
+          <a:defRPr kumimoji="0" sz="1800" b="0" i="0" u="none" strike="noStrike" cap="none" spc="0" normalizeH="0" baseline="0">
             <a:ln>
               <a:noFill/>
             </a:ln>
@@ -4929,7 +6126,7 @@
           <a:buFontTx/>
           <a:buNone/>
           <a:tabLst/>
-          <a:defRPr b="0" baseline="0" cap="none" i="0" spc="0" strike="noStrike" sz="1800" u="none" kumimoji="0" normalizeH="0">
+          <a:defRPr kumimoji="0" sz="1800" b="0" i="0" u="none" strike="noStrike" cap="none" spc="0" normalizeH="0" baseline="0">
             <a:ln>
               <a:noFill/>
             </a:ln>
@@ -4955,7 +6152,7 @@
           <a:buFontTx/>
           <a:buNone/>
           <a:tabLst/>
-          <a:defRPr b="0" baseline="0" cap="none" i="0" spc="0" strike="noStrike" sz="1800" u="none" kumimoji="0" normalizeH="0">
+          <a:defRPr kumimoji="0" sz="1800" b="0" i="0" u="none" strike="noStrike" cap="none" spc="0" normalizeH="0" baseline="0">
             <a:ln>
               <a:noFill/>
             </a:ln>
@@ -4981,7 +6178,7 @@
           <a:buFontTx/>
           <a:buNone/>
           <a:tabLst/>
-          <a:defRPr b="0" baseline="0" cap="none" i="0" spc="0" strike="noStrike" sz="1800" u="none" kumimoji="0" normalizeH="0">
+          <a:defRPr kumimoji="0" sz="1800" b="0" i="0" u="none" strike="noStrike" cap="none" spc="0" normalizeH="0" baseline="0">
             <a:ln>
               <a:noFill/>
             </a:ln>
@@ -5007,7 +6204,7 @@
           <a:buFontTx/>
           <a:buNone/>
           <a:tabLst/>
-          <a:defRPr b="0" baseline="0" cap="none" i="0" spc="0" strike="noStrike" sz="1800" u="none" kumimoji="0" normalizeH="0">
+          <a:defRPr kumimoji="0" sz="1800" b="0" i="0" u="none" strike="noStrike" cap="none" spc="0" normalizeH="0" baseline="0">
             <a:ln>
               <a:noFill/>
             </a:ln>
@@ -5033,7 +6230,7 @@
           <a:buFontTx/>
           <a:buNone/>
           <a:tabLst/>
-          <a:defRPr b="0" baseline="0" cap="none" i="0" spc="0" strike="noStrike" sz="1800" u="none" kumimoji="0" normalizeH="0">
+          <a:defRPr kumimoji="0" sz="1800" b="0" i="0" u="none" strike="noStrike" cap="none" spc="0" normalizeH="0" baseline="0">
             <a:ln>
               <a:noFill/>
             </a:ln>
@@ -5059,7 +6256,7 @@
           <a:buFontTx/>
           <a:buNone/>
           <a:tabLst/>
-          <a:defRPr b="0" baseline="0" cap="none" i="0" spc="0" strike="noStrike" sz="1800" u="none" kumimoji="0" normalizeH="0">
+          <a:defRPr kumimoji="0" sz="1800" b="0" i="0" u="none" strike="noStrike" cap="none" spc="0" normalizeH="0" baseline="0">
             <a:ln>
               <a:noFill/>
             </a:ln>
@@ -5085,7 +6282,7 @@
           <a:buFontTx/>
           <a:buNone/>
           <a:tabLst/>
-          <a:defRPr b="0" baseline="0" cap="none" i="0" spc="0" strike="noStrike" sz="1800" u="none" kumimoji="0" normalizeH="0">
+          <a:defRPr kumimoji="0" sz="1800" b="0" i="0" u="none" strike="noStrike" cap="none" spc="0" normalizeH="0" baseline="0">
             <a:ln>
               <a:noFill/>
             </a:ln>
@@ -5098,9 +6295,15 @@
         </a:lvl9pPr>
       </a:lstStyle>
       <a:style>
-        <a:lnRef idx="0"/>
-        <a:fillRef idx="0"/>
-        <a:effectRef idx="0"/>
+        <a:lnRef idx="0">
+          <a:scrgbClr r="0" g="0" b="0"/>
+        </a:lnRef>
+        <a:fillRef idx="0">
+          <a:scrgbClr r="0" g="0" b="0"/>
+        </a:fillRef>
+        <a:effectRef idx="0">
+          <a:scrgbClr r="0" g="0" b="0"/>
+        </a:effectRef>
         <a:fontRef idx="none"/>
       </a:style>
     </a:lnDef>
@@ -5114,7 +6317,7 @@
         <a:effectLst/>
         <a:sp3d/>
       </a:spPr>
-      <a:bodyPr rot="0" spcFirstLastPara="1" vertOverflow="overflow" horzOverflow="overflow" vert="horz" wrap="square" lIns="45719" tIns="45719" rIns="45719" bIns="45719" numCol="1" spcCol="38100" rtlCol="0" anchor="t" upright="0">
+      <a:bodyPr rot="0" spcFirstLastPara="1" vertOverflow="overflow" horzOverflow="overflow" vert="horz" wrap="square" lIns="45719" tIns="45719" rIns="45719" bIns="45719" numCol="1" spcCol="38100" rtlCol="0" anchor="t">
         <a:spAutoFit/>
       </a:bodyPr>
       <a:lstStyle>
@@ -5133,7 +6336,7 @@
           <a:buFontTx/>
           <a:buNone/>
           <a:tabLst/>
-          <a:defRPr b="0" baseline="0" cap="none" i="0" spc="0" strike="noStrike" sz="1800" u="none" kumimoji="0" normalizeH="0">
+          <a:defRPr kumimoji="0" sz="1800" b="0" i="0" u="none" strike="noStrike" cap="none" spc="0" normalizeH="0" baseline="0">
             <a:ln>
               <a:noFill/>
             </a:ln>
@@ -5163,7 +6366,7 @@
           <a:buFontTx/>
           <a:buNone/>
           <a:tabLst/>
-          <a:defRPr b="0" baseline="0" cap="none" i="0" spc="0" strike="noStrike" sz="1800" u="none" kumimoji="0" normalizeH="0">
+          <a:defRPr kumimoji="0" sz="1800" b="0" i="0" u="none" strike="noStrike" cap="none" spc="0" normalizeH="0" baseline="0">
             <a:ln>
               <a:noFill/>
             </a:ln>
@@ -5189,7 +6392,7 @@
           <a:buFontTx/>
           <a:buNone/>
           <a:tabLst/>
-          <a:defRPr b="0" baseline="0" cap="none" i="0" spc="0" strike="noStrike" sz="1800" u="none" kumimoji="0" normalizeH="0">
+          <a:defRPr kumimoji="0" sz="1800" b="0" i="0" u="none" strike="noStrike" cap="none" spc="0" normalizeH="0" baseline="0">
             <a:ln>
               <a:noFill/>
             </a:ln>
@@ -5215,7 +6418,7 @@
           <a:buFontTx/>
           <a:buNone/>
           <a:tabLst/>
-          <a:defRPr b="0" baseline="0" cap="none" i="0" spc="0" strike="noStrike" sz="1800" u="none" kumimoji="0" normalizeH="0">
+          <a:defRPr kumimoji="0" sz="1800" b="0" i="0" u="none" strike="noStrike" cap="none" spc="0" normalizeH="0" baseline="0">
             <a:ln>
               <a:noFill/>
             </a:ln>
@@ -5241,7 +6444,7 @@
           <a:buFontTx/>
           <a:buNone/>
           <a:tabLst/>
-          <a:defRPr b="0" baseline="0" cap="none" i="0" spc="0" strike="noStrike" sz="1800" u="none" kumimoji="0" normalizeH="0">
+          <a:defRPr kumimoji="0" sz="1800" b="0" i="0" u="none" strike="noStrike" cap="none" spc="0" normalizeH="0" baseline="0">
             <a:ln>
               <a:noFill/>
             </a:ln>
@@ -5267,7 +6470,7 @@
           <a:buFontTx/>
           <a:buNone/>
           <a:tabLst/>
-          <a:defRPr b="0" baseline="0" cap="none" i="0" spc="0" strike="noStrike" sz="1800" u="none" kumimoji="0" normalizeH="0">
+          <a:defRPr kumimoji="0" sz="1800" b="0" i="0" u="none" strike="noStrike" cap="none" spc="0" normalizeH="0" baseline="0">
             <a:ln>
               <a:noFill/>
             </a:ln>
@@ -5293,7 +6496,7 @@
           <a:buFontTx/>
           <a:buNone/>
           <a:tabLst/>
-          <a:defRPr b="0" baseline="0" cap="none" i="0" spc="0" strike="noStrike" sz="1800" u="none" kumimoji="0" normalizeH="0">
+          <a:defRPr kumimoji="0" sz="1800" b="0" i="0" u="none" strike="noStrike" cap="none" spc="0" normalizeH="0" baseline="0">
             <a:ln>
               <a:noFill/>
             </a:ln>
@@ -5319,7 +6522,7 @@
           <a:buFontTx/>
           <a:buNone/>
           <a:tabLst/>
-          <a:defRPr b="0" baseline="0" cap="none" i="0" spc="0" strike="noStrike" sz="1800" u="none" kumimoji="0" normalizeH="0">
+          <a:defRPr kumimoji="0" sz="1800" b="0" i="0" u="none" strike="noStrike" cap="none" spc="0" normalizeH="0" baseline="0">
             <a:ln>
               <a:noFill/>
             </a:ln>
@@ -5345,7 +6548,7 @@
           <a:buFontTx/>
           <a:buNone/>
           <a:tabLst/>
-          <a:defRPr b="0" baseline="0" cap="none" i="0" spc="0" strike="noStrike" sz="1800" u="none" kumimoji="0" normalizeH="0">
+          <a:defRPr kumimoji="0" sz="1800" b="0" i="0" u="none" strike="noStrike" cap="none" spc="0" normalizeH="0" baseline="0">
             <a:ln>
               <a:noFill/>
             </a:ln>
@@ -5371,7 +6574,7 @@
           <a:buFontTx/>
           <a:buNone/>
           <a:tabLst/>
-          <a:defRPr b="0" baseline="0" cap="none" i="0" spc="0" strike="noStrike" sz="1800" u="none" kumimoji="0" normalizeH="0">
+          <a:defRPr kumimoji="0" sz="1800" b="0" i="0" u="none" strike="noStrike" cap="none" spc="0" normalizeH="0" baseline="0">
             <a:ln>
               <a:noFill/>
             </a:ln>
@@ -5384,18 +6587,25 @@
         </a:lvl9pPr>
       </a:lstStyle>
       <a:style>
-        <a:lnRef idx="0"/>
-        <a:fillRef idx="0"/>
-        <a:effectRef idx="0"/>
+        <a:lnRef idx="0">
+          <a:scrgbClr r="0" g="0" b="0"/>
+        </a:lnRef>
+        <a:fillRef idx="0">
+          <a:scrgbClr r="0" g="0" b="0"/>
+        </a:fillRef>
+        <a:effectRef idx="0">
+          <a:scrgbClr r="0" g="0" b="0"/>
+        </a:effectRef>
         <a:fontRef idx="none"/>
       </a:style>
     </a:txDef>
   </a:objectDefaults>
+  <a:extraClrSchemeLst/>
 </a:theme>
 </file>
 
 <file path=ppt/theme/theme2.xml><?xml version="1.0" encoding="utf-8"?>
-<a:theme xmlns:a="http://schemas.openxmlformats.org/drawingml/2006/main" xmlns:r="http://schemas.openxmlformats.org/officeDocument/2006/relationships" name="Office Theme">
+<a:theme xmlns:a="http://schemas.openxmlformats.org/drawingml/2006/main" name="Office Theme">
   <a:themeElements>
     <a:clrScheme name="Office Theme">
       <a:dk1>
@@ -5597,7 +6807,7 @@
         <a:effectLst/>
         <a:sp3d/>
       </a:spPr>
-      <a:bodyPr rot="0" spcFirstLastPara="1" vertOverflow="overflow" horzOverflow="overflow" vert="horz" wrap="square" lIns="45719" tIns="45719" rIns="45719" bIns="45719" numCol="1" spcCol="38100" rtlCol="0" anchor="ctr" upright="0">
+      <a:bodyPr rot="0" spcFirstLastPara="1" vertOverflow="overflow" horzOverflow="overflow" vert="horz" wrap="square" lIns="45719" tIns="45719" rIns="45719" bIns="45719" numCol="1" spcCol="38100" rtlCol="0" anchor="ctr">
         <a:spAutoFit/>
       </a:bodyPr>
       <a:lstStyle>
@@ -5616,7 +6826,7 @@
           <a:buFontTx/>
           <a:buNone/>
           <a:tabLst/>
-          <a:defRPr b="0" baseline="0" cap="none" i="0" spc="0" strike="noStrike" sz="1800" u="none" kumimoji="0" normalizeH="0">
+          <a:defRPr kumimoji="0" sz="1800" b="0" i="0" u="none" strike="noStrike" cap="none" spc="0" normalizeH="0" baseline="0">
             <a:ln>
               <a:noFill/>
             </a:ln>
@@ -5646,7 +6856,7 @@
           <a:buFontTx/>
           <a:buNone/>
           <a:tabLst/>
-          <a:defRPr b="0" baseline="0" cap="none" i="0" spc="0" strike="noStrike" sz="1800" u="none" kumimoji="0" normalizeH="0">
+          <a:defRPr kumimoji="0" sz="1800" b="0" i="0" u="none" strike="noStrike" cap="none" spc="0" normalizeH="0" baseline="0">
             <a:ln>
               <a:noFill/>
             </a:ln>
@@ -5672,7 +6882,7 @@
           <a:buFontTx/>
           <a:buNone/>
           <a:tabLst/>
-          <a:defRPr b="0" baseline="0" cap="none" i="0" spc="0" strike="noStrike" sz="1800" u="none" kumimoji="0" normalizeH="0">
+          <a:defRPr kumimoji="0" sz="1800" b="0" i="0" u="none" strike="noStrike" cap="none" spc="0" normalizeH="0" baseline="0">
             <a:ln>
               <a:noFill/>
             </a:ln>
@@ -5698,7 +6908,7 @@
           <a:buFontTx/>
           <a:buNone/>
           <a:tabLst/>
-          <a:defRPr b="0" baseline="0" cap="none" i="0" spc="0" strike="noStrike" sz="1800" u="none" kumimoji="0" normalizeH="0">
+          <a:defRPr kumimoji="0" sz="1800" b="0" i="0" u="none" strike="noStrike" cap="none" spc="0" normalizeH="0" baseline="0">
             <a:ln>
               <a:noFill/>
             </a:ln>
@@ -5724,7 +6934,7 @@
           <a:buFontTx/>
           <a:buNone/>
           <a:tabLst/>
-          <a:defRPr b="0" baseline="0" cap="none" i="0" spc="0" strike="noStrike" sz="1800" u="none" kumimoji="0" normalizeH="0">
+          <a:defRPr kumimoji="0" sz="1800" b="0" i="0" u="none" strike="noStrike" cap="none" spc="0" normalizeH="0" baseline="0">
             <a:ln>
               <a:noFill/>
             </a:ln>
@@ -5750,7 +6960,7 @@
           <a:buFontTx/>
           <a:buNone/>
           <a:tabLst/>
-          <a:defRPr b="0" baseline="0" cap="none" i="0" spc="0" strike="noStrike" sz="1800" u="none" kumimoji="0" normalizeH="0">
+          <a:defRPr kumimoji="0" sz="1800" b="0" i="0" u="none" strike="noStrike" cap="none" spc="0" normalizeH="0" baseline="0">
             <a:ln>
               <a:noFill/>
             </a:ln>
@@ -5776,7 +6986,7 @@
           <a:buFontTx/>
           <a:buNone/>
           <a:tabLst/>
-          <a:defRPr b="0" baseline="0" cap="none" i="0" spc="0" strike="noStrike" sz="1800" u="none" kumimoji="0" normalizeH="0">
+          <a:defRPr kumimoji="0" sz="1800" b="0" i="0" u="none" strike="noStrike" cap="none" spc="0" normalizeH="0" baseline="0">
             <a:ln>
               <a:noFill/>
             </a:ln>
@@ -5802,7 +7012,7 @@
           <a:buFontTx/>
           <a:buNone/>
           <a:tabLst/>
-          <a:defRPr b="0" baseline="0" cap="none" i="0" spc="0" strike="noStrike" sz="1800" u="none" kumimoji="0" normalizeH="0">
+          <a:defRPr kumimoji="0" sz="1800" b="0" i="0" u="none" strike="noStrike" cap="none" spc="0" normalizeH="0" baseline="0">
             <a:ln>
               <a:noFill/>
             </a:ln>
@@ -5828,7 +7038,7 @@
           <a:buFontTx/>
           <a:buNone/>
           <a:tabLst/>
-          <a:defRPr b="0" baseline="0" cap="none" i="0" spc="0" strike="noStrike" sz="1800" u="none" kumimoji="0" normalizeH="0">
+          <a:defRPr kumimoji="0" sz="1800" b="0" i="0" u="none" strike="noStrike" cap="none" spc="0" normalizeH="0" baseline="0">
             <a:ln>
               <a:noFill/>
             </a:ln>
@@ -5854,7 +7064,7 @@
           <a:buFontTx/>
           <a:buNone/>
           <a:tabLst/>
-          <a:defRPr b="0" baseline="0" cap="none" i="0" spc="0" strike="noStrike" sz="1800" u="none" kumimoji="0" normalizeH="0">
+          <a:defRPr kumimoji="0" sz="1800" b="0" i="0" u="none" strike="noStrike" cap="none" spc="0" normalizeH="0" baseline="0">
             <a:ln>
               <a:noFill/>
             </a:ln>
@@ -5867,9 +7077,15 @@
         </a:lvl9pPr>
       </a:lstStyle>
       <a:style>
-        <a:lnRef idx="0"/>
-        <a:fillRef idx="0"/>
-        <a:effectRef idx="0"/>
+        <a:lnRef idx="0">
+          <a:scrgbClr r="0" g="0" b="0"/>
+        </a:lnRef>
+        <a:fillRef idx="0">
+          <a:scrgbClr r="0" g="0" b="0"/>
+        </a:fillRef>
+        <a:effectRef idx="0">
+          <a:scrgbClr r="0" g="0" b="0"/>
+        </a:effectRef>
         <a:fontRef idx="none"/>
       </a:style>
     </a:spDef>
@@ -5886,7 +7102,7 @@
         <a:effectLst/>
         <a:sp3d/>
       </a:spPr>
-      <a:bodyPr rot="0" spcFirstLastPara="1" vertOverflow="overflow" horzOverflow="overflow" vert="horz" wrap="square" lIns="91439" tIns="45719" rIns="91439" bIns="45719" numCol="1" spcCol="38100" rtlCol="0" anchor="t" upright="0">
+      <a:bodyPr rot="0" spcFirstLastPara="1" vertOverflow="overflow" horzOverflow="overflow" vert="horz" wrap="square" lIns="91439" tIns="45719" rIns="91439" bIns="45719" numCol="1" spcCol="38100" rtlCol="0" anchor="t">
         <a:noAutofit/>
       </a:bodyPr>
       <a:lstStyle>
@@ -5905,7 +7121,7 @@
           <a:buFontTx/>
           <a:buNone/>
           <a:tabLst/>
-          <a:defRPr b="0" baseline="0" cap="none" i="0" spc="0" strike="noStrike" sz="1800" u="none" kumimoji="0" normalizeH="0">
+          <a:defRPr kumimoji="0" sz="1800" b="0" i="0" u="none" strike="noStrike" cap="none" spc="0" normalizeH="0" baseline="0">
             <a:ln>
               <a:noFill/>
             </a:ln>
@@ -5931,7 +7147,7 @@
           <a:buFontTx/>
           <a:buNone/>
           <a:tabLst/>
-          <a:defRPr b="0" baseline="0" cap="none" i="0" spc="0" strike="noStrike" sz="1800" u="none" kumimoji="0" normalizeH="0">
+          <a:defRPr kumimoji="0" sz="1800" b="0" i="0" u="none" strike="noStrike" cap="none" spc="0" normalizeH="0" baseline="0">
             <a:ln>
               <a:noFill/>
             </a:ln>
@@ -5957,7 +7173,7 @@
           <a:buFontTx/>
           <a:buNone/>
           <a:tabLst/>
-          <a:defRPr b="0" baseline="0" cap="none" i="0" spc="0" strike="noStrike" sz="1800" u="none" kumimoji="0" normalizeH="0">
+          <a:defRPr kumimoji="0" sz="1800" b="0" i="0" u="none" strike="noStrike" cap="none" spc="0" normalizeH="0" baseline="0">
             <a:ln>
               <a:noFill/>
             </a:ln>
@@ -5983,7 +7199,7 @@
           <a:buFontTx/>
           <a:buNone/>
           <a:tabLst/>
-          <a:defRPr b="0" baseline="0" cap="none" i="0" spc="0" strike="noStrike" sz="1800" u="none" kumimoji="0" normalizeH="0">
+          <a:defRPr kumimoji="0" sz="1800" b="0" i="0" u="none" strike="noStrike" cap="none" spc="0" normalizeH="0" baseline="0">
             <a:ln>
               <a:noFill/>
             </a:ln>
@@ -6009,7 +7225,7 @@
           <a:buFontTx/>
           <a:buNone/>
           <a:tabLst/>
-          <a:defRPr b="0" baseline="0" cap="none" i="0" spc="0" strike="noStrike" sz="1800" u="none" kumimoji="0" normalizeH="0">
+          <a:defRPr kumimoji="0" sz="1800" b="0" i="0" u="none" strike="noStrike" cap="none" spc="0" normalizeH="0" baseline="0">
             <a:ln>
               <a:noFill/>
             </a:ln>
@@ -6035,7 +7251,7 @@
           <a:buFontTx/>
           <a:buNone/>
           <a:tabLst/>
-          <a:defRPr b="0" baseline="0" cap="none" i="0" spc="0" strike="noStrike" sz="1800" u="none" kumimoji="0" normalizeH="0">
+          <a:defRPr kumimoji="0" sz="1800" b="0" i="0" u="none" strike="noStrike" cap="none" spc="0" normalizeH="0" baseline="0">
             <a:ln>
               <a:noFill/>
             </a:ln>
@@ -6061,7 +7277,7 @@
           <a:buFontTx/>
           <a:buNone/>
           <a:tabLst/>
-          <a:defRPr b="0" baseline="0" cap="none" i="0" spc="0" strike="noStrike" sz="1800" u="none" kumimoji="0" normalizeH="0">
+          <a:defRPr kumimoji="0" sz="1800" b="0" i="0" u="none" strike="noStrike" cap="none" spc="0" normalizeH="0" baseline="0">
             <a:ln>
               <a:noFill/>
             </a:ln>
@@ -6087,7 +7303,7 @@
           <a:buFontTx/>
           <a:buNone/>
           <a:tabLst/>
-          <a:defRPr b="0" baseline="0" cap="none" i="0" spc="0" strike="noStrike" sz="1800" u="none" kumimoji="0" normalizeH="0">
+          <a:defRPr kumimoji="0" sz="1800" b="0" i="0" u="none" strike="noStrike" cap="none" spc="0" normalizeH="0" baseline="0">
             <a:ln>
               <a:noFill/>
             </a:ln>
@@ -6113,7 +7329,7 @@
           <a:buFontTx/>
           <a:buNone/>
           <a:tabLst/>
-          <a:defRPr b="0" baseline="0" cap="none" i="0" spc="0" strike="noStrike" sz="1800" u="none" kumimoji="0" normalizeH="0">
+          <a:defRPr kumimoji="0" sz="1800" b="0" i="0" u="none" strike="noStrike" cap="none" spc="0" normalizeH="0" baseline="0">
             <a:ln>
               <a:noFill/>
             </a:ln>
@@ -6139,7 +7355,7 @@
           <a:buFontTx/>
           <a:buNone/>
           <a:tabLst/>
-          <a:defRPr b="0" baseline="0" cap="none" i="0" spc="0" strike="noStrike" sz="1800" u="none" kumimoji="0" normalizeH="0">
+          <a:defRPr kumimoji="0" sz="1800" b="0" i="0" u="none" strike="noStrike" cap="none" spc="0" normalizeH="0" baseline="0">
             <a:ln>
               <a:noFill/>
             </a:ln>
@@ -6152,9 +7368,15 @@
         </a:lvl9pPr>
       </a:lstStyle>
       <a:style>
-        <a:lnRef idx="0"/>
-        <a:fillRef idx="0"/>
-        <a:effectRef idx="0"/>
+        <a:lnRef idx="0">
+          <a:scrgbClr r="0" g="0" b="0"/>
+        </a:lnRef>
+        <a:fillRef idx="0">
+          <a:scrgbClr r="0" g="0" b="0"/>
+        </a:fillRef>
+        <a:effectRef idx="0">
+          <a:scrgbClr r="0" g="0" b="0"/>
+        </a:effectRef>
         <a:fontRef idx="none"/>
       </a:style>
     </a:lnDef>
@@ -6168,7 +7390,7 @@
         <a:effectLst/>
         <a:sp3d/>
       </a:spPr>
-      <a:bodyPr rot="0" spcFirstLastPara="1" vertOverflow="overflow" horzOverflow="overflow" vert="horz" wrap="square" lIns="45719" tIns="45719" rIns="45719" bIns="45719" numCol="1" spcCol="38100" rtlCol="0" anchor="t" upright="0">
+      <a:bodyPr rot="0" spcFirstLastPara="1" vertOverflow="overflow" horzOverflow="overflow" vert="horz" wrap="square" lIns="45719" tIns="45719" rIns="45719" bIns="45719" numCol="1" spcCol="38100" rtlCol="0" anchor="t">
         <a:spAutoFit/>
       </a:bodyPr>
       <a:lstStyle>
@@ -6187,7 +7409,7 @@
           <a:buFontTx/>
           <a:buNone/>
           <a:tabLst/>
-          <a:defRPr b="0" baseline="0" cap="none" i="0" spc="0" strike="noStrike" sz="1800" u="none" kumimoji="0" normalizeH="0">
+          <a:defRPr kumimoji="0" sz="1800" b="0" i="0" u="none" strike="noStrike" cap="none" spc="0" normalizeH="0" baseline="0">
             <a:ln>
               <a:noFill/>
             </a:ln>
@@ -6217,7 +7439,7 @@
           <a:buFontTx/>
           <a:buNone/>
           <a:tabLst/>
-          <a:defRPr b="0" baseline="0" cap="none" i="0" spc="0" strike="noStrike" sz="1800" u="none" kumimoji="0" normalizeH="0">
+          <a:defRPr kumimoji="0" sz="1800" b="0" i="0" u="none" strike="noStrike" cap="none" spc="0" normalizeH="0" baseline="0">
             <a:ln>
               <a:noFill/>
             </a:ln>
@@ -6243,7 +7465,7 @@
           <a:buFontTx/>
           <a:buNone/>
           <a:tabLst/>
-          <a:defRPr b="0" baseline="0" cap="none" i="0" spc="0" strike="noStrike" sz="1800" u="none" kumimoji="0" normalizeH="0">
+          <a:defRPr kumimoji="0" sz="1800" b="0" i="0" u="none" strike="noStrike" cap="none" spc="0" normalizeH="0" baseline="0">
             <a:ln>
               <a:noFill/>
             </a:ln>
@@ -6269,7 +7491,7 @@
           <a:buFontTx/>
           <a:buNone/>
           <a:tabLst/>
-          <a:defRPr b="0" baseline="0" cap="none" i="0" spc="0" strike="noStrike" sz="1800" u="none" kumimoji="0" normalizeH="0">
+          <a:defRPr kumimoji="0" sz="1800" b="0" i="0" u="none" strike="noStrike" cap="none" spc="0" normalizeH="0" baseline="0">
             <a:ln>
               <a:noFill/>
             </a:ln>
@@ -6295,7 +7517,7 @@
           <a:buFontTx/>
           <a:buNone/>
           <a:tabLst/>
-          <a:defRPr b="0" baseline="0" cap="none" i="0" spc="0" strike="noStrike" sz="1800" u="none" kumimoji="0" normalizeH="0">
+          <a:defRPr kumimoji="0" sz="1800" b="0" i="0" u="none" strike="noStrike" cap="none" spc="0" normalizeH="0" baseline="0">
             <a:ln>
               <a:noFill/>
             </a:ln>
@@ -6321,7 +7543,7 @@
           <a:buFontTx/>
           <a:buNone/>
           <a:tabLst/>
-          <a:defRPr b="0" baseline="0" cap="none" i="0" spc="0" strike="noStrike" sz="1800" u="none" kumimoji="0" normalizeH="0">
+          <a:defRPr kumimoji="0" sz="1800" b="0" i="0" u="none" strike="noStrike" cap="none" spc="0" normalizeH="0" baseline="0">
             <a:ln>
               <a:noFill/>
             </a:ln>
@@ -6347,7 +7569,7 @@
           <a:buFontTx/>
           <a:buNone/>
           <a:tabLst/>
-          <a:defRPr b="0" baseline="0" cap="none" i="0" spc="0" strike="noStrike" sz="1800" u="none" kumimoji="0" normalizeH="0">
+          <a:defRPr kumimoji="0" sz="1800" b="0" i="0" u="none" strike="noStrike" cap="none" spc="0" normalizeH="0" baseline="0">
             <a:ln>
               <a:noFill/>
             </a:ln>
@@ -6373,7 +7595,7 @@
           <a:buFontTx/>
           <a:buNone/>
           <a:tabLst/>
-          <a:defRPr b="0" baseline="0" cap="none" i="0" spc="0" strike="noStrike" sz="1800" u="none" kumimoji="0" normalizeH="0">
+          <a:defRPr kumimoji="0" sz="1800" b="0" i="0" u="none" strike="noStrike" cap="none" spc="0" normalizeH="0" baseline="0">
             <a:ln>
               <a:noFill/>
             </a:ln>
@@ -6399,7 +7621,7 @@
           <a:buFontTx/>
           <a:buNone/>
           <a:tabLst/>
-          <a:defRPr b="0" baseline="0" cap="none" i="0" spc="0" strike="noStrike" sz="1800" u="none" kumimoji="0" normalizeH="0">
+          <a:defRPr kumimoji="0" sz="1800" b="0" i="0" u="none" strike="noStrike" cap="none" spc="0" normalizeH="0" baseline="0">
             <a:ln>
               <a:noFill/>
             </a:ln>
@@ -6425,7 +7647,7 @@
           <a:buFontTx/>
           <a:buNone/>
           <a:tabLst/>
-          <a:defRPr b="0" baseline="0" cap="none" i="0" spc="0" strike="noStrike" sz="1800" u="none" kumimoji="0" normalizeH="0">
+          <a:defRPr kumimoji="0" sz="1800" b="0" i="0" u="none" strike="noStrike" cap="none" spc="0" normalizeH="0" baseline="0">
             <a:ln>
               <a:noFill/>
             </a:ln>
@@ -6438,12 +7660,19 @@
         </a:lvl9pPr>
       </a:lstStyle>
       <a:style>
-        <a:lnRef idx="0"/>
-        <a:fillRef idx="0"/>
-        <a:effectRef idx="0"/>
+        <a:lnRef idx="0">
+          <a:scrgbClr r="0" g="0" b="0"/>
+        </a:lnRef>
+        <a:fillRef idx="0">
+          <a:scrgbClr r="0" g="0" b="0"/>
+        </a:fillRef>
+        <a:effectRef idx="0">
+          <a:scrgbClr r="0" g="0" b="0"/>
+        </a:effectRef>
         <a:fontRef idx="none"/>
       </a:style>
     </a:txDef>
   </a:objectDefaults>
+  <a:extraClrSchemeLst/>
 </a:theme>
 </file>